--- a/Презентация_Проекта2 2.pptx
+++ b/Презентация_Проекта2 2.pptx
@@ -19,10 +19,10 @@
     <p:sldId id="270" r:id="rId13"/>
     <p:sldId id="280" r:id="rId14"/>
     <p:sldId id="277" r:id="rId15"/>
-    <p:sldId id="279" r:id="rId16"/>
+    <p:sldId id="289" r:id="rId16"/>
     <p:sldId id="282" r:id="rId17"/>
-    <p:sldId id="285" r:id="rId18"/>
-    <p:sldId id="286" r:id="rId19"/>
+    <p:sldId id="287" r:id="rId18"/>
+    <p:sldId id="288" r:id="rId19"/>
     <p:sldId id="272" r:id="rId20"/>
     <p:sldId id="283" r:id="rId21"/>
     <p:sldId id="284" r:id="rId22"/>
@@ -127,7 +127,7 @@
   </p:defaultTextStyle>
   <p:extLst>
     <p:ext uri="{EFAFB233-063F-42B5-8137-9DF3F51BA10A}">
-      <p15:sldGuideLst xmlns:p15="http://schemas.microsoft.com/office/powerpoint/2012/main">
+      <p15:sldGuideLst xmlns="" xmlns:p15="http://schemas.microsoft.com/office/powerpoint/2012/main">
         <p15:guide id="1" orient="horz" pos="2160">
           <p15:clr>
             <a:srgbClr val="A4A3A4"/>
@@ -285,7 +285,7 @@
           <a:p>
             <a:fld id="{C764DE79-268F-4C1A-8933-263129D2AF90}" type="datetimeFigureOut">
               <a:rPr lang="en-US" dirty="0"/>
-              <a:t>3/30/2021</a:t>
+              <a:t>3/31/2021</a:t>
             </a:fld>
             <a:endParaRPr lang="en-US" dirty="0"/>
           </a:p>
@@ -453,7 +453,7 @@
           <a:p>
             <a:fld id="{C764DE79-268F-4C1A-8933-263129D2AF90}" type="datetimeFigureOut">
               <a:rPr lang="en-US" dirty="0"/>
-              <a:t>3/30/2021</a:t>
+              <a:t>3/31/2021</a:t>
             </a:fld>
             <a:endParaRPr lang="en-US" dirty="0"/>
           </a:p>
@@ -631,7 +631,7 @@
           <a:p>
             <a:fld id="{C764DE79-268F-4C1A-8933-263129D2AF90}" type="datetimeFigureOut">
               <a:rPr lang="en-US" dirty="0"/>
-              <a:t>3/30/2021</a:t>
+              <a:t>3/31/2021</a:t>
             </a:fld>
             <a:endParaRPr lang="en-US" dirty="0"/>
           </a:p>
@@ -821,7 +821,7 @@
           <a:p>
             <a:fld id="{F2FFB779-270B-4192-84BA-A697F48306DC}" type="datetimeFigureOut">
               <a:rPr lang="ru-RU" smtClean="0"/>
-              <a:t>30.03.2021</a:t>
+              <a:t>31.03.2021</a:t>
             </a:fld>
             <a:endParaRPr lang="ru-RU"/>
           </a:p>
@@ -989,7 +989,7 @@
           <a:p>
             <a:fld id="{F2FFB779-270B-4192-84BA-A697F48306DC}" type="datetimeFigureOut">
               <a:rPr lang="ru-RU" smtClean="0"/>
-              <a:t>30.03.2021</a:t>
+              <a:t>31.03.2021</a:t>
             </a:fld>
             <a:endParaRPr lang="ru-RU"/>
           </a:p>
@@ -1234,7 +1234,7 @@
           <a:p>
             <a:fld id="{F2FFB779-270B-4192-84BA-A697F48306DC}" type="datetimeFigureOut">
               <a:rPr lang="ru-RU" smtClean="0"/>
-              <a:t>30.03.2021</a:t>
+              <a:t>31.03.2021</a:t>
             </a:fld>
             <a:endParaRPr lang="ru-RU"/>
           </a:p>
@@ -1463,7 +1463,7 @@
           <a:p>
             <a:fld id="{F2FFB779-270B-4192-84BA-A697F48306DC}" type="datetimeFigureOut">
               <a:rPr lang="ru-RU" smtClean="0"/>
-              <a:t>30.03.2021</a:t>
+              <a:t>31.03.2021</a:t>
             </a:fld>
             <a:endParaRPr lang="ru-RU"/>
           </a:p>
@@ -1827,7 +1827,7 @@
           <a:p>
             <a:fld id="{F2FFB779-270B-4192-84BA-A697F48306DC}" type="datetimeFigureOut">
               <a:rPr lang="ru-RU" smtClean="0"/>
-              <a:t>30.03.2021</a:t>
+              <a:t>31.03.2021</a:t>
             </a:fld>
             <a:endParaRPr lang="ru-RU"/>
           </a:p>
@@ -1944,7 +1944,7 @@
           <a:p>
             <a:fld id="{F2FFB779-270B-4192-84BA-A697F48306DC}" type="datetimeFigureOut">
               <a:rPr lang="ru-RU" smtClean="0"/>
-              <a:t>30.03.2021</a:t>
+              <a:t>31.03.2021</a:t>
             </a:fld>
             <a:endParaRPr lang="ru-RU"/>
           </a:p>
@@ -2039,7 +2039,7 @@
           <a:p>
             <a:fld id="{F2FFB779-270B-4192-84BA-A697F48306DC}" type="datetimeFigureOut">
               <a:rPr lang="ru-RU" smtClean="0"/>
-              <a:t>30.03.2021</a:t>
+              <a:t>31.03.2021</a:t>
             </a:fld>
             <a:endParaRPr lang="ru-RU"/>
           </a:p>
@@ -2314,7 +2314,7 @@
           <a:p>
             <a:fld id="{F2FFB779-270B-4192-84BA-A697F48306DC}" type="datetimeFigureOut">
               <a:rPr lang="ru-RU" smtClean="0"/>
-              <a:t>30.03.2021</a:t>
+              <a:t>31.03.2021</a:t>
             </a:fld>
             <a:endParaRPr lang="ru-RU"/>
           </a:p>
@@ -2482,7 +2482,7 @@
           <a:p>
             <a:fld id="{C764DE79-268F-4C1A-8933-263129D2AF90}" type="datetimeFigureOut">
               <a:rPr lang="en-US" dirty="0"/>
-              <a:t>3/30/2021</a:t>
+              <a:t>3/31/2021</a:t>
             </a:fld>
             <a:endParaRPr lang="en-US" dirty="0"/>
           </a:p>
@@ -2734,7 +2734,7 @@
           <a:p>
             <a:fld id="{F2FFB779-270B-4192-84BA-A697F48306DC}" type="datetimeFigureOut">
               <a:rPr lang="ru-RU" smtClean="0"/>
-              <a:t>30.03.2021</a:t>
+              <a:t>31.03.2021</a:t>
             </a:fld>
             <a:endParaRPr lang="ru-RU"/>
           </a:p>
@@ -2902,7 +2902,7 @@
           <a:p>
             <a:fld id="{F2FFB779-270B-4192-84BA-A697F48306DC}" type="datetimeFigureOut">
               <a:rPr lang="ru-RU" smtClean="0"/>
-              <a:t>30.03.2021</a:t>
+              <a:t>31.03.2021</a:t>
             </a:fld>
             <a:endParaRPr lang="ru-RU"/>
           </a:p>
@@ -3080,7 +3080,7 @@
           <a:p>
             <a:fld id="{F2FFB779-270B-4192-84BA-A697F48306DC}" type="datetimeFigureOut">
               <a:rPr lang="ru-RU" smtClean="0"/>
-              <a:t>30.03.2021</a:t>
+              <a:t>31.03.2021</a:t>
             </a:fld>
             <a:endParaRPr lang="ru-RU"/>
           </a:p>
@@ -3325,7 +3325,7 @@
           <a:p>
             <a:fld id="{C764DE79-268F-4C1A-8933-263129D2AF90}" type="datetimeFigureOut">
               <a:rPr lang="en-US" dirty="0"/>
-              <a:t>3/30/2021</a:t>
+              <a:t>3/31/2021</a:t>
             </a:fld>
             <a:endParaRPr lang="en-US" dirty="0"/>
           </a:p>
@@ -3554,7 +3554,7 @@
           <a:p>
             <a:fld id="{C764DE79-268F-4C1A-8933-263129D2AF90}" type="datetimeFigureOut">
               <a:rPr lang="en-US" dirty="0"/>
-              <a:t>3/30/2021</a:t>
+              <a:t>3/31/2021</a:t>
             </a:fld>
             <a:endParaRPr lang="en-US" dirty="0"/>
           </a:p>
@@ -3918,7 +3918,7 @@
           <a:p>
             <a:fld id="{C764DE79-268F-4C1A-8933-263129D2AF90}" type="datetimeFigureOut">
               <a:rPr lang="en-US" dirty="0"/>
-              <a:t>3/30/2021</a:t>
+              <a:t>3/31/2021</a:t>
             </a:fld>
             <a:endParaRPr lang="en-US" dirty="0"/>
           </a:p>
@@ -4035,7 +4035,7 @@
           <a:p>
             <a:fld id="{C764DE79-268F-4C1A-8933-263129D2AF90}" type="datetimeFigureOut">
               <a:rPr lang="en-US" dirty="0"/>
-              <a:t>3/30/2021</a:t>
+              <a:t>3/31/2021</a:t>
             </a:fld>
             <a:endParaRPr lang="en-US" dirty="0"/>
           </a:p>
@@ -4130,7 +4130,7 @@
           <a:p>
             <a:fld id="{C764DE79-268F-4C1A-8933-263129D2AF90}" type="datetimeFigureOut">
               <a:rPr lang="en-US" dirty="0"/>
-              <a:t>3/30/2021</a:t>
+              <a:t>3/31/2021</a:t>
             </a:fld>
             <a:endParaRPr lang="en-US" dirty="0"/>
           </a:p>
@@ -4405,7 +4405,7 @@
           <a:p>
             <a:fld id="{C764DE79-268F-4C1A-8933-263129D2AF90}" type="datetimeFigureOut">
               <a:rPr lang="en-US" dirty="0"/>
-              <a:t>3/30/2021</a:t>
+              <a:t>3/31/2021</a:t>
             </a:fld>
             <a:endParaRPr lang="en-US" dirty="0"/>
           </a:p>
@@ -4657,7 +4657,7 @@
           <a:p>
             <a:fld id="{C764DE79-268F-4C1A-8933-263129D2AF90}" type="datetimeFigureOut">
               <a:rPr lang="en-US" dirty="0"/>
-              <a:t>3/30/2021</a:t>
+              <a:t>3/31/2021</a:t>
             </a:fld>
             <a:endParaRPr lang="en-US" dirty="0"/>
           </a:p>
@@ -4868,7 +4868,7 @@
           <a:p>
             <a:fld id="{C764DE79-268F-4C1A-8933-263129D2AF90}" type="datetimeFigureOut">
               <a:rPr lang="en-US" dirty="0"/>
-              <a:t>3/30/2021</a:t>
+              <a:t>3/31/2021</a:t>
             </a:fld>
             <a:endParaRPr lang="en-US" dirty="0"/>
           </a:p>
@@ -5406,7 +5406,7 @@
           <a:p>
             <a:fld id="{F2FFB779-270B-4192-84BA-A697F48306DC}" type="datetimeFigureOut">
               <a:rPr lang="ru-RU" smtClean="0"/>
-              <a:t>30.03.2021</a:t>
+              <a:t>31.03.2021</a:t>
             </a:fld>
             <a:endParaRPr lang="ru-RU"/>
           </a:p>
@@ -5824,10 +5824,10 @@
           <p:cNvPr id="21" name="Rectangle 23">
             <a:extLst>
               <a:ext uri="{FF2B5EF4-FFF2-40B4-BE49-F238E27FC236}">
-                <a16:creationId xmlns:a16="http://schemas.microsoft.com/office/drawing/2014/main" id="{51D98CAC-3EFF-4342-BD5A-6C0E8CAB4C1A}"/>
+                <a16:creationId xmlns="" xmlns:a16="http://schemas.microsoft.com/office/drawing/2014/main" id="{51D98CAC-3EFF-4342-BD5A-6C0E8CAB4C1A}"/>
               </a:ext>
               <a:ext uri="{C183D7F6-B498-43B3-948B-1728B52AA6E4}">
-                <adec:decorative xmlns:adec="http://schemas.microsoft.com/office/drawing/2017/decorative" val="1"/>
+                <adec:decorative xmlns="" xmlns:adec="http://schemas.microsoft.com/office/drawing/2017/decorative" val="1"/>
               </a:ext>
             </a:extLst>
           </p:cNvPr>
@@ -5837,7 +5837,7 @@
           <p:nvPr>
             <p:extLst>
               <p:ext uri="{386F3935-93C4-4BCD-93E2-E3B085C9AB24}">
-                <p16:designElem xmlns:p16="http://schemas.microsoft.com/office/powerpoint/2015/main" val="1"/>
+                <p16:designElem xmlns="" xmlns:p16="http://schemas.microsoft.com/office/powerpoint/2015/main" val="1"/>
               </p:ext>
             </p:extLst>
           </p:nvPr>
@@ -6001,6 +6001,13 @@
   <p:clrMapOvr>
     <a:masterClrMapping/>
   </p:clrMapOvr>
+  <p:timing>
+    <p:tnLst>
+      <p:par>
+        <p:cTn id="1" dur="indefinite" restart="never" nodeType="tmRoot"/>
+      </p:par>
+    </p:tnLst>
+  </p:timing>
 </p:sld>
 </file>
 
@@ -6034,7 +6041,7 @@
           <p:cNvPr id="3" name="Title 2">
             <a:extLst>
               <a:ext uri="{FF2B5EF4-FFF2-40B4-BE49-F238E27FC236}">
-                <a16:creationId xmlns:a16="http://schemas.microsoft.com/office/drawing/2014/main" id="{A7550EEA-A210-4604-AD56-E30DB37C25EB}"/>
+                <a16:creationId xmlns="" xmlns:a16="http://schemas.microsoft.com/office/drawing/2014/main" id="{A7550EEA-A210-4604-AD56-E30DB37C25EB}"/>
               </a:ext>
             </a:extLst>
           </p:cNvPr>
@@ -6073,10 +6080,10 @@
           <p:cNvPr id="15" name="Rectangle 10">
             <a:extLst>
               <a:ext uri="{FF2B5EF4-FFF2-40B4-BE49-F238E27FC236}">
-                <a16:creationId xmlns:a16="http://schemas.microsoft.com/office/drawing/2014/main" id="{BE0C1D5B-DAD5-442B-92B7-5C2B73978D20}"/>
+                <a16:creationId xmlns="" xmlns:a16="http://schemas.microsoft.com/office/drawing/2014/main" id="{BE0C1D5B-DAD5-442B-92B7-5C2B73978D20}"/>
               </a:ext>
               <a:ext uri="{C183D7F6-B498-43B3-948B-1728B52AA6E4}">
-                <adec:decorative xmlns:adec="http://schemas.microsoft.com/office/drawing/2017/decorative" val="1"/>
+                <adec:decorative xmlns="" xmlns:adec="http://schemas.microsoft.com/office/drawing/2017/decorative" val="1"/>
               </a:ext>
             </a:extLst>
           </p:cNvPr>
@@ -6086,7 +6093,7 @@
           <p:nvPr>
             <p:extLst>
               <p:ext uri="{386F3935-93C4-4BCD-93E2-E3B085C9AB24}">
-                <p16:designElem xmlns:p16="http://schemas.microsoft.com/office/powerpoint/2015/main" val="1"/>
+                <p16:designElem xmlns="" xmlns:p16="http://schemas.microsoft.com/office/powerpoint/2015/main" val="1"/>
               </p:ext>
             </p:extLst>
           </p:nvPr>
@@ -6152,7 +6159,7 @@
           <p:cNvPr id="16" name="Graphic 7" descr="Преподаватель">
             <a:extLst>
               <a:ext uri="{FF2B5EF4-FFF2-40B4-BE49-F238E27FC236}">
-                <a16:creationId xmlns:a16="http://schemas.microsoft.com/office/drawing/2014/main" id="{876D6BCF-9D0A-4155-A3E3-8B751BF0533C}"/>
+                <a16:creationId xmlns="" xmlns:a16="http://schemas.microsoft.com/office/drawing/2014/main" id="{876D6BCF-9D0A-4155-A3E3-8B751BF0533C}"/>
               </a:ext>
             </a:extLst>
           </p:cNvPr>
@@ -6162,13 +6169,13 @@
           <p:nvPr/>
         </p:nvPicPr>
         <p:blipFill>
-          <a:blip r:embed="rId2">
+          <a:blip r:embed="rId2" cstate="print">
             <a:extLst>
               <a:ext uri="{28A0092B-C50C-407E-A947-70E740481C1C}">
                 <a14:useLocalDpi xmlns:a14="http://schemas.microsoft.com/office/drawing/2010/main" val="0"/>
               </a:ext>
               <a:ext uri="{96DAC541-7B7A-43D3-8B79-37D633B846F1}">
-                <asvg:svgBlip xmlns:asvg="http://schemas.microsoft.com/office/drawing/2016/SVG/main" r:embed="rId3"/>
+                <asvg:svgBlip xmlns="" xmlns:asvg="http://schemas.microsoft.com/office/drawing/2016/SVG/main" r:embed="rId3"/>
               </a:ext>
             </a:extLst>
           </a:blip>
@@ -6191,7 +6198,7 @@
           <p:cNvPr id="4" name="Content Placeholder 3">
             <a:extLst>
               <a:ext uri="{FF2B5EF4-FFF2-40B4-BE49-F238E27FC236}">
-                <a16:creationId xmlns:a16="http://schemas.microsoft.com/office/drawing/2014/main" id="{CE67B582-94FB-43F2-A170-F7F6948E7099}"/>
+                <a16:creationId xmlns="" xmlns:a16="http://schemas.microsoft.com/office/drawing/2014/main" id="{CE67B582-94FB-43F2-A170-F7F6948E7099}"/>
               </a:ext>
             </a:extLst>
           </p:cNvPr>
@@ -6273,6 +6280,13 @@
   <p:clrMapOvr>
     <a:masterClrMapping/>
   </p:clrMapOvr>
+  <p:timing>
+    <p:tnLst>
+      <p:par>
+        <p:cTn id="1" dur="indefinite" restart="never" nodeType="tmRoot"/>
+      </p:par>
+    </p:tnLst>
+  </p:timing>
 </p:sld>
 </file>
 
@@ -6306,10 +6320,10 @@
           <p:cNvPr id="30" name="Rectangle 29">
             <a:extLst>
               <a:ext uri="{FF2B5EF4-FFF2-40B4-BE49-F238E27FC236}">
-                <a16:creationId xmlns:a16="http://schemas.microsoft.com/office/drawing/2014/main" id="{DE7FFD28-545C-4C88-A2E7-152FB234C92C}"/>
+                <a16:creationId xmlns="" xmlns:a16="http://schemas.microsoft.com/office/drawing/2014/main" id="{DE7FFD28-545C-4C88-A2E7-152FB234C92C}"/>
               </a:ext>
               <a:ext uri="{C183D7F6-B498-43B3-948B-1728B52AA6E4}">
-                <adec:decorative xmlns:adec="http://schemas.microsoft.com/office/drawing/2017/decorative" val="1"/>
+                <adec:decorative xmlns="" xmlns:adec="http://schemas.microsoft.com/office/drawing/2017/decorative" val="1"/>
               </a:ext>
             </a:extLst>
           </p:cNvPr>
@@ -6319,7 +6333,7 @@
           <p:nvPr>
             <p:extLst>
               <p:ext uri="{386F3935-93C4-4BCD-93E2-E3B085C9AB24}">
-                <p16:designElem xmlns:p16="http://schemas.microsoft.com/office/powerpoint/2015/main" val="1"/>
+                <p16:designElem xmlns="" xmlns:p16="http://schemas.microsoft.com/office/powerpoint/2015/main" val="1"/>
               </p:ext>
             </p:extLst>
           </p:nvPr>
@@ -6369,7 +6383,7 @@
           <p:cNvPr id="2" name="Заголовок 1">
             <a:extLst>
               <a:ext uri="{FF2B5EF4-FFF2-40B4-BE49-F238E27FC236}">
-                <a16:creationId xmlns:a16="http://schemas.microsoft.com/office/drawing/2014/main" id="{CCF85F47-D0D7-4C96-9C91-1CB5C6D921B4}"/>
+                <a16:creationId xmlns="" xmlns:a16="http://schemas.microsoft.com/office/drawing/2014/main" id="{CCF85F47-D0D7-4C96-9C91-1CB5C6D921B4}"/>
               </a:ext>
             </a:extLst>
           </p:cNvPr>
@@ -6410,7 +6424,7 @@
           <p:cNvPr id="7" name="Прямоугольник 6">
             <a:extLst>
               <a:ext uri="{FF2B5EF4-FFF2-40B4-BE49-F238E27FC236}">
-                <a16:creationId xmlns:a16="http://schemas.microsoft.com/office/drawing/2014/main" id="{8BD49D54-7B8D-435D-A17D-722E3CFBDCDF}"/>
+                <a16:creationId xmlns="" xmlns:a16="http://schemas.microsoft.com/office/drawing/2014/main" id="{8BD49D54-7B8D-435D-A17D-722E3CFBDCDF}"/>
               </a:ext>
             </a:extLst>
           </p:cNvPr>
@@ -6464,7 +6478,7 @@
           <p:cNvPr id="6" name="Рисунок 6">
             <a:extLst>
               <a:ext uri="{FF2B5EF4-FFF2-40B4-BE49-F238E27FC236}">
-                <a16:creationId xmlns:a16="http://schemas.microsoft.com/office/drawing/2014/main" id="{412E9128-678E-4CC0-B668-CCD48DCB84C4}"/>
+                <a16:creationId xmlns="" xmlns:a16="http://schemas.microsoft.com/office/drawing/2014/main" id="{412E9128-678E-4CC0-B668-CCD48DCB84C4}"/>
               </a:ext>
             </a:extLst>
           </p:cNvPr>
@@ -6493,7 +6507,7 @@
           <p:cNvPr id="8" name="Прямоугольник 7">
             <a:extLst>
               <a:ext uri="{FF2B5EF4-FFF2-40B4-BE49-F238E27FC236}">
-                <a16:creationId xmlns:a16="http://schemas.microsoft.com/office/drawing/2014/main" id="{DDFB5F18-AF25-4AF2-88B5-F84B82548EA7}"/>
+                <a16:creationId xmlns="" xmlns:a16="http://schemas.microsoft.com/office/drawing/2014/main" id="{DDFB5F18-AF25-4AF2-88B5-F84B82548EA7}"/>
               </a:ext>
             </a:extLst>
           </p:cNvPr>
@@ -6552,6 +6566,13 @@
   <p:clrMapOvr>
     <a:masterClrMapping/>
   </p:clrMapOvr>
+  <p:timing>
+    <p:tnLst>
+      <p:par>
+        <p:cTn id="1" dur="indefinite" restart="never" nodeType="tmRoot"/>
+      </p:par>
+    </p:tnLst>
+  </p:timing>
 </p:sld>
 </file>
 
@@ -6585,10 +6606,10 @@
           <p:cNvPr id="30" name="Rectangle 29">
             <a:extLst>
               <a:ext uri="{FF2B5EF4-FFF2-40B4-BE49-F238E27FC236}">
-                <a16:creationId xmlns:a16="http://schemas.microsoft.com/office/drawing/2014/main" id="{DE7FFD28-545C-4C88-A2E7-152FB234C92C}"/>
+                <a16:creationId xmlns="" xmlns:a16="http://schemas.microsoft.com/office/drawing/2014/main" id="{DE7FFD28-545C-4C88-A2E7-152FB234C92C}"/>
               </a:ext>
               <a:ext uri="{C183D7F6-B498-43B3-948B-1728B52AA6E4}">
-                <adec:decorative xmlns:adec="http://schemas.microsoft.com/office/drawing/2017/decorative" val="1"/>
+                <adec:decorative xmlns="" xmlns:adec="http://schemas.microsoft.com/office/drawing/2017/decorative" val="1"/>
               </a:ext>
             </a:extLst>
           </p:cNvPr>
@@ -6598,7 +6619,7 @@
           <p:nvPr>
             <p:extLst>
               <p:ext uri="{386F3935-93C4-4BCD-93E2-E3B085C9AB24}">
-                <p16:designElem xmlns:p16="http://schemas.microsoft.com/office/powerpoint/2015/main" val="1"/>
+                <p16:designElem xmlns="" xmlns:p16="http://schemas.microsoft.com/office/powerpoint/2015/main" val="1"/>
               </p:ext>
             </p:extLst>
           </p:nvPr>
@@ -6648,7 +6669,7 @@
           <p:cNvPr id="2" name="Заголовок 1">
             <a:extLst>
               <a:ext uri="{FF2B5EF4-FFF2-40B4-BE49-F238E27FC236}">
-                <a16:creationId xmlns:a16="http://schemas.microsoft.com/office/drawing/2014/main" id="{CCF85F47-D0D7-4C96-9C91-1CB5C6D921B4}"/>
+                <a16:creationId xmlns="" xmlns:a16="http://schemas.microsoft.com/office/drawing/2014/main" id="{CCF85F47-D0D7-4C96-9C91-1CB5C6D921B4}"/>
               </a:ext>
             </a:extLst>
           </p:cNvPr>
@@ -6691,7 +6712,7 @@
           <p:cNvPr id="3" name="Объект 2">
             <a:extLst>
               <a:ext uri="{FF2B5EF4-FFF2-40B4-BE49-F238E27FC236}">
-                <a16:creationId xmlns:a16="http://schemas.microsoft.com/office/drawing/2014/main" id="{0D6576DF-402F-45B4-BE72-A29EA253667A}"/>
+                <a16:creationId xmlns="" xmlns:a16="http://schemas.microsoft.com/office/drawing/2014/main" id="{0D6576DF-402F-45B4-BE72-A29EA253667A}"/>
               </a:ext>
             </a:extLst>
           </p:cNvPr>
@@ -6775,6 +6796,13 @@
   <p:clrMapOvr>
     <a:masterClrMapping/>
   </p:clrMapOvr>
+  <p:timing>
+    <p:tnLst>
+      <p:par>
+        <p:cTn id="1" dur="indefinite" restart="never" nodeType="tmRoot"/>
+      </p:par>
+    </p:tnLst>
+  </p:timing>
 </p:sld>
 </file>
 
@@ -6808,10 +6836,10 @@
           <p:cNvPr id="30" name="Rectangle 29">
             <a:extLst>
               <a:ext uri="{FF2B5EF4-FFF2-40B4-BE49-F238E27FC236}">
-                <a16:creationId xmlns:a16="http://schemas.microsoft.com/office/drawing/2014/main" id="{DE7FFD28-545C-4C88-A2E7-152FB234C92C}"/>
+                <a16:creationId xmlns="" xmlns:a16="http://schemas.microsoft.com/office/drawing/2014/main" id="{DE7FFD28-545C-4C88-A2E7-152FB234C92C}"/>
               </a:ext>
               <a:ext uri="{C183D7F6-B498-43B3-948B-1728B52AA6E4}">
-                <adec:decorative xmlns:adec="http://schemas.microsoft.com/office/drawing/2017/decorative" val="1"/>
+                <adec:decorative xmlns="" xmlns:adec="http://schemas.microsoft.com/office/drawing/2017/decorative" val="1"/>
               </a:ext>
             </a:extLst>
           </p:cNvPr>
@@ -6821,7 +6849,7 @@
           <p:nvPr>
             <p:extLst>
               <p:ext uri="{386F3935-93C4-4BCD-93E2-E3B085C9AB24}">
-                <p16:designElem xmlns:p16="http://schemas.microsoft.com/office/powerpoint/2015/main" val="1"/>
+                <p16:designElem xmlns="" xmlns:p16="http://schemas.microsoft.com/office/powerpoint/2015/main" val="1"/>
               </p:ext>
             </p:extLst>
           </p:nvPr>
@@ -6871,7 +6899,7 @@
           <p:cNvPr id="2" name="Заголовок 1">
             <a:extLst>
               <a:ext uri="{FF2B5EF4-FFF2-40B4-BE49-F238E27FC236}">
-                <a16:creationId xmlns:a16="http://schemas.microsoft.com/office/drawing/2014/main" id="{CCF85F47-D0D7-4C96-9C91-1CB5C6D921B4}"/>
+                <a16:creationId xmlns="" xmlns:a16="http://schemas.microsoft.com/office/drawing/2014/main" id="{CCF85F47-D0D7-4C96-9C91-1CB5C6D921B4}"/>
               </a:ext>
             </a:extLst>
           </p:cNvPr>
@@ -6914,7 +6942,7 @@
           <p:cNvPr id="3" name="Объект 2">
             <a:extLst>
               <a:ext uri="{FF2B5EF4-FFF2-40B4-BE49-F238E27FC236}">
-                <a16:creationId xmlns:a16="http://schemas.microsoft.com/office/drawing/2014/main" id="{0D6576DF-402F-45B4-BE72-A29EA253667A}"/>
+                <a16:creationId xmlns="" xmlns:a16="http://schemas.microsoft.com/office/drawing/2014/main" id="{0D6576DF-402F-45B4-BE72-A29EA253667A}"/>
               </a:ext>
             </a:extLst>
           </p:cNvPr>
@@ -7035,6 +7063,13 @@
   <p:clrMapOvr>
     <a:masterClrMapping/>
   </p:clrMapOvr>
+  <p:timing>
+    <p:tnLst>
+      <p:par>
+        <p:cTn id="1" dur="indefinite" restart="never" nodeType="tmRoot"/>
+      </p:par>
+    </p:tnLst>
+  </p:timing>
 </p:sld>
 </file>
 
@@ -7065,13 +7100,13 @@
       </p:grpSpPr>
       <p:sp>
         <p:nvSpPr>
-          <p:cNvPr id="30" name="Rectangle 29">
+          <p:cNvPr id="17" name="Rectangle 16">
             <a:extLst>
               <a:ext uri="{FF2B5EF4-FFF2-40B4-BE49-F238E27FC236}">
-                <a16:creationId xmlns:a16="http://schemas.microsoft.com/office/drawing/2014/main" id="{DE7FFD28-545C-4C88-A2E7-152FB234C92C}"/>
+                <a16:creationId xmlns="" xmlns:a16="http://schemas.microsoft.com/office/drawing/2014/main" id="{EBF87945-A001-489F-9D9B-7D9435F0B9CA}"/>
               </a:ext>
               <a:ext uri="{C183D7F6-B498-43B3-948B-1728B52AA6E4}">
-                <adec:decorative xmlns:adec="http://schemas.microsoft.com/office/drawing/2017/decorative" val="1"/>
+                <adec:decorative xmlns="" xmlns:adec="http://schemas.microsoft.com/office/drawing/2017/decorative" val="1"/>
               </a:ext>
             </a:extLst>
           </p:cNvPr>
@@ -7081,15 +7116,15 @@
           <p:nvPr>
             <p:extLst>
               <p:ext uri="{386F3935-93C4-4BCD-93E2-E3B085C9AB24}">
-                <p16:designElem xmlns:p16="http://schemas.microsoft.com/office/powerpoint/2015/main" val="1"/>
+                <p16:designElem xmlns="" xmlns:p16="http://schemas.microsoft.com/office/powerpoint/2015/main" val="1"/>
               </p:ext>
             </p:extLst>
           </p:nvPr>
         </p:nvSpPr>
         <p:spPr>
           <a:xfrm>
-            <a:off x="0" y="0"/>
-            <a:ext cx="12192000" cy="1911350"/>
+            <a:off x="548639" y="347471"/>
+            <a:ext cx="11100816" cy="1801368"/>
           </a:xfrm>
           <a:prstGeom prst="rect">
             <a:avLst/>
@@ -7131,7 +7166,7 @@
           <p:cNvPr id="2" name="Заголовок 1">
             <a:extLst>
               <a:ext uri="{FF2B5EF4-FFF2-40B4-BE49-F238E27FC236}">
-                <a16:creationId xmlns:a16="http://schemas.microsoft.com/office/drawing/2014/main" id="{CCF85F47-D0D7-4C96-9C91-1CB5C6D921B4}"/>
+                <a16:creationId xmlns="" xmlns:a16="http://schemas.microsoft.com/office/drawing/2014/main" id="{6313D046-9F0E-45AD-A904-7E9579092D9D}"/>
               </a:ext>
             </a:extLst>
           </p:cNvPr>
@@ -7144,118 +7179,167 @@
         </p:nvSpPr>
         <p:spPr>
           <a:xfrm>
-            <a:off x="838200" y="365125"/>
-            <a:ext cx="10515600" cy="1325563"/>
-          </a:xfrm>
-        </p:spPr>
-        <p:txBody>
-          <a:bodyPr>
+            <a:off x="838200" y="343606"/>
+            <a:ext cx="10515600" cy="872463"/>
+          </a:xfrm>
+        </p:spPr>
+        <p:txBody>
+          <a:bodyPr vert="horz" lIns="91440" tIns="45720" rIns="91440" bIns="45720" rtlCol="0" anchor="ctr">
             <a:normAutofit/>
           </a:bodyPr>
           <a:lstStyle/>
           <a:p>
             <a:pPr algn="ctr"/>
             <a:r>
-              <a:rPr lang="ru-RU" sz="4600" dirty="0">
+              <a:rPr lang="ru-RU" sz="4400" dirty="0" smtClean="0">
                 <a:solidFill>
                   <a:srgbClr val="FFFFFF"/>
                 </a:solidFill>
-                <a:ea typeface="+mj-lt"/>
-                <a:cs typeface="+mj-lt"/>
               </a:rPr>
               <a:t>Вывод данных</a:t>
             </a:r>
-            <a:endParaRPr lang="ru-RU" dirty="0"/>
-          </a:p>
-        </p:txBody>
-      </p:sp>
-      <p:sp>
-        <p:nvSpPr>
-          <p:cNvPr id="3" name="Объект 2">
+            <a:endParaRPr lang="ru-RU" sz="4400" dirty="0">
+              <a:solidFill>
+                <a:srgbClr val="FFFFFF"/>
+              </a:solidFill>
+              <a:cs typeface="Calibri Light"/>
+            </a:endParaRPr>
+          </a:p>
+        </p:txBody>
+      </p:sp>
+      <p:sp>
+        <p:nvSpPr>
+          <p:cNvPr id="5" name="Прямоугольник 4"/>
+          <p:cNvSpPr/>
+          <p:nvPr/>
+        </p:nvSpPr>
+        <p:spPr>
+          <a:xfrm>
+            <a:off x="548639" y="1216069"/>
+            <a:ext cx="11100816" cy="932769"/>
+          </a:xfrm>
+          <a:prstGeom prst="rect">
+            <a:avLst/>
+          </a:prstGeom>
+          <a:solidFill>
+            <a:schemeClr val="bg1"/>
+          </a:solidFill>
+          <a:ln>
+            <a:solidFill>
+              <a:schemeClr val="bg1"/>
+            </a:solidFill>
+          </a:ln>
+        </p:spPr>
+        <p:style>
+          <a:lnRef idx="2">
+            <a:schemeClr val="accent1">
+              <a:shade val="50000"/>
+            </a:schemeClr>
+          </a:lnRef>
+          <a:fillRef idx="1">
+            <a:schemeClr val="accent1"/>
+          </a:fillRef>
+          <a:effectRef idx="0">
+            <a:schemeClr val="accent1"/>
+          </a:effectRef>
+          <a:fontRef idx="minor">
+            <a:schemeClr val="lt1"/>
+          </a:fontRef>
+        </p:style>
+        <p:txBody>
+          <a:bodyPr rtlCol="0" anchor="ctr"/>
+          <a:lstStyle/>
+          <a:p>
+            <a:pPr algn="ctr"/>
+            <a:endParaRPr lang="ru-RU">
+              <a:solidFill>
+                <a:schemeClr val="tx1"/>
+              </a:solidFill>
+            </a:endParaRPr>
+          </a:p>
+        </p:txBody>
+      </p:sp>
+      <p:pic>
+        <p:nvPicPr>
+          <p:cNvPr id="3074" name="Picture 2"/>
+          <p:cNvPicPr>
+            <a:picLocks noChangeAspect="1" noChangeArrowheads="1"/>
+          </p:cNvPicPr>
+          <p:nvPr/>
+        </p:nvPicPr>
+        <p:blipFill>
+          <a:blip r:embed="rId2">
             <a:extLst>
-              <a:ext uri="{FF2B5EF4-FFF2-40B4-BE49-F238E27FC236}">
-                <a16:creationId xmlns:a16="http://schemas.microsoft.com/office/drawing/2014/main" id="{0D6576DF-402F-45B4-BE72-A29EA253667A}"/>
+              <a:ext uri="{28A0092B-C50C-407E-A947-70E740481C1C}">
+                <a14:useLocalDpi xmlns:a14="http://schemas.microsoft.com/office/drawing/2010/main" val="0"/>
               </a:ext>
             </a:extLst>
-          </p:cNvPr>
-          <p:cNvSpPr>
-            <a:spLocks noGrp="1"/>
-          </p:cNvSpPr>
-          <p:nvPr>
-            <p:ph idx="1"/>
-          </p:nvPr>
-        </p:nvSpPr>
-        <p:spPr>
-          <a:xfrm>
-            <a:off x="420030" y="2456985"/>
-            <a:ext cx="11351941" cy="3822196"/>
-          </a:xfrm>
-        </p:spPr>
-        <p:txBody>
-          <a:bodyPr vert="horz" lIns="91440" tIns="45720" rIns="91440" bIns="45720" rtlCol="0" anchor="t">
-            <a:normAutofit/>
-          </a:bodyPr>
-          <a:lstStyle/>
-          <a:p>
-            <a:pPr marL="514350" indent="-514350">
-              <a:buAutoNum type="arabicPeriod"/>
-            </a:pPr>
-            <a:r>
-              <a:rPr lang="ru-RU" sz="2600" dirty="0">
-                <a:cs typeface="Calibri"/>
-              </a:rPr>
-              <a:t>Основные значения числено выводятся рядом с графиком </a:t>
-            </a:r>
-          </a:p>
-          <a:p>
-            <a:pPr marL="514350" indent="-514350">
-              <a:buAutoNum type="arabicPeriod"/>
-            </a:pPr>
-            <a:r>
-              <a:rPr lang="ru-RU" sz="2600" dirty="0">
-                <a:cs typeface="Calibri"/>
-              </a:rPr>
-              <a:t>Отрисовка графиков зависимости P(h) или v(h) без изысков</a:t>
-            </a:r>
-            <a:endParaRPr lang="ru-RU" dirty="0">
-              <a:cs typeface="Calibri" panose="020F0502020204030204"/>
-            </a:endParaRPr>
-          </a:p>
-          <a:p>
-            <a:pPr marL="514350" indent="-514350">
-              <a:buAutoNum type="arabicPeriod"/>
-            </a:pPr>
-            <a:r>
-              <a:rPr lang="ru-RU" sz="2600" dirty="0">
-                <a:cs typeface="Calibri"/>
-              </a:rPr>
-              <a:t>Вывод в виде графиков на </a:t>
-            </a:r>
-            <a:r>
-              <a:rPr lang="ru-RU" sz="2600" dirty="0" err="1">
-                <a:cs typeface="Calibri"/>
-              </a:rPr>
-              <a:t>matplotlib</a:t>
-            </a:r>
-            <a:r>
-              <a:rPr lang="ru-RU" sz="2600" dirty="0">
-                <a:cs typeface="Calibri"/>
-              </a:rPr>
-              <a:t> с легендой и удобным масштабом </a:t>
-            </a:r>
-          </a:p>
-        </p:txBody>
-      </p:sp>
+          </a:blip>
+          <a:srcRect/>
+          <a:stretch>
+            <a:fillRect/>
+          </a:stretch>
+        </p:blipFill>
+        <p:spPr bwMode="auto">
+          <a:xfrm>
+            <a:off x="1347822" y="1288715"/>
+            <a:ext cx="9599209" cy="5578013"/>
+          </a:xfrm>
+          <a:prstGeom prst="rect">
+            <a:avLst/>
+          </a:prstGeom>
+          <a:noFill/>
+          <a:ln>
+            <a:noFill/>
+          </a:ln>
+          <a:effectLst/>
+          <a:extLst>
+            <a:ext uri="{909E8E84-426E-40DD-AFC4-6F175D3DCCD1}">
+              <a14:hiddenFill xmlns:a14="http://schemas.microsoft.com/office/drawing/2010/main">
+                <a:solidFill>
+                  <a:schemeClr val="accent1"/>
+                </a:solidFill>
+              </a14:hiddenFill>
+            </a:ext>
+            <a:ext uri="{91240B29-F687-4F45-9708-019B960494DF}">
+              <a14:hiddenLine xmlns:a14="http://schemas.microsoft.com/office/drawing/2010/main" w="9525">
+                <a:solidFill>
+                  <a:schemeClr val="tx1"/>
+                </a:solidFill>
+                <a:miter lim="800000"/>
+                <a:headEnd/>
+                <a:tailEnd/>
+              </a14:hiddenLine>
+            </a:ext>
+            <a:ext uri="{AF507438-7753-43E0-B8FC-AC1667EBCBE1}">
+              <a14:hiddenEffects xmlns:a14="http://schemas.microsoft.com/office/drawing/2010/main">
+                <a:effectLst>
+                  <a:outerShdw dist="35921" dir="2700000" algn="ctr" rotWithShape="0">
+                    <a:schemeClr val="bg2"/>
+                  </a:outerShdw>
+                </a:effectLst>
+              </a14:hiddenEffects>
+            </a:ext>
+          </a:extLst>
+        </p:spPr>
+      </p:pic>
     </p:spTree>
     <p:extLst>
       <p:ext uri="{BB962C8B-B14F-4D97-AF65-F5344CB8AC3E}">
-        <p14:creationId xmlns:p14="http://schemas.microsoft.com/office/powerpoint/2010/main" val="3737234012"/>
+        <p14:creationId xmlns:p14="http://schemas.microsoft.com/office/powerpoint/2010/main" val="184705119"/>
       </p:ext>
     </p:extLst>
   </p:cSld>
   <p:clrMapOvr>
     <a:masterClrMapping/>
   </p:clrMapOvr>
+  <p:timing>
+    <p:tnLst>
+      <p:par>
+        <p:cTn id="1" dur="indefinite" restart="never" nodeType="tmRoot"/>
+      </p:par>
+    </p:tnLst>
+  </p:timing>
 </p:sld>
 </file>
 
@@ -7289,10 +7373,10 @@
           <p:cNvPr id="17" name="Rectangle 16">
             <a:extLst>
               <a:ext uri="{FF2B5EF4-FFF2-40B4-BE49-F238E27FC236}">
-                <a16:creationId xmlns:a16="http://schemas.microsoft.com/office/drawing/2014/main" id="{EBF87945-A001-489F-9D9B-7D9435F0B9CA}"/>
+                <a16:creationId xmlns="" xmlns:a16="http://schemas.microsoft.com/office/drawing/2014/main" id="{EBF87945-A001-489F-9D9B-7D9435F0B9CA}"/>
               </a:ext>
               <a:ext uri="{C183D7F6-B498-43B3-948B-1728B52AA6E4}">
-                <adec:decorative xmlns:adec="http://schemas.microsoft.com/office/drawing/2017/decorative" val="1"/>
+                <adec:decorative xmlns="" xmlns:adec="http://schemas.microsoft.com/office/drawing/2017/decorative" val="1"/>
               </a:ext>
             </a:extLst>
           </p:cNvPr>
@@ -7302,7 +7386,7 @@
           <p:nvPr>
             <p:extLst>
               <p:ext uri="{386F3935-93C4-4BCD-93E2-E3B085C9AB24}">
-                <p16:designElem xmlns:p16="http://schemas.microsoft.com/office/powerpoint/2015/main" val="1"/>
+                <p16:designElem xmlns="" xmlns:p16="http://schemas.microsoft.com/office/powerpoint/2015/main" val="1"/>
               </p:ext>
             </p:extLst>
           </p:nvPr>
@@ -7352,7 +7436,7 @@
           <p:cNvPr id="2" name="Заголовок 1">
             <a:extLst>
               <a:ext uri="{FF2B5EF4-FFF2-40B4-BE49-F238E27FC236}">
-                <a16:creationId xmlns:a16="http://schemas.microsoft.com/office/drawing/2014/main" id="{6313D046-9F0E-45AD-A904-7E9579092D9D}"/>
+                <a16:creationId xmlns="" xmlns:a16="http://schemas.microsoft.com/office/drawing/2014/main" id="{6313D046-9F0E-45AD-A904-7E9579092D9D}"/>
               </a:ext>
             </a:extLst>
           </p:cNvPr>
@@ -7377,12 +7461,12 @@
           <a:p>
             <a:pPr algn="ctr"/>
             <a:r>
-              <a:rPr lang="ru-RU" sz="4400" dirty="0">
+              <a:rPr lang="ru-RU" sz="4400" dirty="0" smtClean="0">
                 <a:solidFill>
                   <a:srgbClr val="FFFFFF"/>
                 </a:solidFill>
               </a:rPr>
-              <a:t>Пример</a:t>
+              <a:t>Вывод данных</a:t>
             </a:r>
             <a:endParaRPr lang="ru-RU" sz="4400" dirty="0">
               <a:solidFill>
@@ -7398,7 +7482,7 @@
           <p:cNvPr id="8" name="Рисунок 9">
             <a:extLst>
               <a:ext uri="{FF2B5EF4-FFF2-40B4-BE49-F238E27FC236}">
-                <a16:creationId xmlns:a16="http://schemas.microsoft.com/office/drawing/2014/main" id="{D1F6D338-531A-4647-AAF8-9EFA477D5F63}"/>
+                <a16:creationId xmlns="" xmlns:a16="http://schemas.microsoft.com/office/drawing/2014/main" id="{D1F6D338-531A-4647-AAF8-9EFA477D5F63}"/>
               </a:ext>
             </a:extLst>
           </p:cNvPr>
@@ -7427,7 +7511,7 @@
           <p:cNvPr id="4" name="Текст 3">
             <a:extLst>
               <a:ext uri="{FF2B5EF4-FFF2-40B4-BE49-F238E27FC236}">
-                <a16:creationId xmlns:a16="http://schemas.microsoft.com/office/drawing/2014/main" id="{4B73C3B9-C0C4-4FA2-91F2-D4F5F278767A}"/>
+                <a16:creationId xmlns="" xmlns:a16="http://schemas.microsoft.com/office/drawing/2014/main" id="{4B73C3B9-C0C4-4FA2-91F2-D4F5F278767A}"/>
               </a:ext>
             </a:extLst>
           </p:cNvPr>
@@ -7478,6 +7562,13 @@
   <p:clrMapOvr>
     <a:masterClrMapping/>
   </p:clrMapOvr>
+  <p:timing>
+    <p:tnLst>
+      <p:par>
+        <p:cTn id="1" dur="indefinite" restart="never" nodeType="tmRoot"/>
+      </p:par>
+    </p:tnLst>
+  </p:timing>
 </p:sld>
 </file>
 
@@ -7511,10 +7602,10 @@
           <p:cNvPr id="30" name="Rectangle 29">
             <a:extLst>
               <a:ext uri="{FF2B5EF4-FFF2-40B4-BE49-F238E27FC236}">
-                <a16:creationId xmlns:a16="http://schemas.microsoft.com/office/drawing/2014/main" id="{DE7FFD28-545C-4C88-A2E7-152FB234C92C}"/>
+                <a16:creationId xmlns="" xmlns:a16="http://schemas.microsoft.com/office/drawing/2014/main" id="{DE7FFD28-545C-4C88-A2E7-152FB234C92C}"/>
               </a:ext>
               <a:ext uri="{C183D7F6-B498-43B3-948B-1728B52AA6E4}">
-                <adec:decorative xmlns:adec="http://schemas.microsoft.com/office/drawing/2017/decorative" val="1"/>
+                <adec:decorative xmlns="" xmlns:adec="http://schemas.microsoft.com/office/drawing/2017/decorative" val="1"/>
               </a:ext>
             </a:extLst>
           </p:cNvPr>
@@ -7524,7 +7615,7 @@
           <p:nvPr>
             <p:extLst>
               <p:ext uri="{386F3935-93C4-4BCD-93E2-E3B085C9AB24}">
-                <p16:designElem xmlns:p16="http://schemas.microsoft.com/office/powerpoint/2015/main" val="1"/>
+                <p16:designElem xmlns="" xmlns:p16="http://schemas.microsoft.com/office/powerpoint/2015/main" val="1"/>
               </p:ext>
             </p:extLst>
           </p:nvPr>
@@ -7565,7 +7656,7 @@
           <a:lstStyle/>
           <a:p>
             <a:pPr algn="ctr"/>
-            <a:endParaRPr lang="en-US"/>
+            <a:endParaRPr lang="en-US" dirty="0"/>
           </a:p>
         </p:txBody>
       </p:sp>
@@ -7574,7 +7665,7 @@
           <p:cNvPr id="2" name="Заголовок 1">
             <a:extLst>
               <a:ext uri="{FF2B5EF4-FFF2-40B4-BE49-F238E27FC236}">
-                <a16:creationId xmlns:a16="http://schemas.microsoft.com/office/drawing/2014/main" id="{CCF85F47-D0D7-4C96-9C91-1CB5C6D921B4}"/>
+                <a16:creationId xmlns="" xmlns:a16="http://schemas.microsoft.com/office/drawing/2014/main" id="{CCF85F47-D0D7-4C96-9C91-1CB5C6D921B4}"/>
               </a:ext>
             </a:extLst>
           </p:cNvPr>
@@ -7587,8 +7678,8 @@
         </p:nvSpPr>
         <p:spPr>
           <a:xfrm>
-            <a:off x="838200" y="365125"/>
-            <a:ext cx="10515600" cy="1325563"/>
+            <a:off x="838200" y="2710"/>
+            <a:ext cx="10515600" cy="1028197"/>
           </a:xfrm>
         </p:spPr>
         <p:txBody>
@@ -7599,121 +7690,218 @@
           <a:p>
             <a:pPr algn="ctr"/>
             <a:r>
-              <a:rPr lang="ru-RU" sz="4600" dirty="0">
+              <a:rPr lang="ru-RU" sz="4600" dirty="0" smtClean="0">
                 <a:solidFill>
                   <a:srgbClr val="FFFFFF"/>
                 </a:solidFill>
-                <a:ea typeface="+mj-lt"/>
-                <a:cs typeface="+mj-lt"/>
+                <a:cs typeface="Calibri Light"/>
               </a:rPr>
-              <a:t>Сохранение данных</a:t>
-            </a:r>
-            <a:endParaRPr lang="ru-RU" dirty="0"/>
-          </a:p>
-        </p:txBody>
-      </p:sp>
-      <p:sp>
-        <p:nvSpPr>
-          <p:cNvPr id="3" name="Объект 2">
+              <a:t>Сохранение результатов</a:t>
+            </a:r>
+            <a:endParaRPr lang="ru-RU" sz="4600" dirty="0">
+              <a:solidFill>
+                <a:srgbClr val="FFFFFF"/>
+              </a:solidFill>
+              <a:cs typeface="Calibri Light"/>
+            </a:endParaRPr>
+          </a:p>
+        </p:txBody>
+      </p:sp>
+      <p:sp>
+        <p:nvSpPr>
+          <p:cNvPr id="7" name="Прямоугольник 6">
             <a:extLst>
               <a:ext uri="{FF2B5EF4-FFF2-40B4-BE49-F238E27FC236}">
-                <a16:creationId xmlns:a16="http://schemas.microsoft.com/office/drawing/2014/main" id="{0D6576DF-402F-45B4-BE72-A29EA253667A}"/>
+                <a16:creationId xmlns="" xmlns:a16="http://schemas.microsoft.com/office/drawing/2014/main" id="{8BD49D54-7B8D-435D-A17D-722E3CFBDCDF}"/>
               </a:ext>
             </a:extLst>
           </p:cNvPr>
-          <p:cNvSpPr>
-            <a:spLocks noGrp="1"/>
-          </p:cNvSpPr>
+          <p:cNvSpPr/>
+          <p:nvPr/>
+        </p:nvSpPr>
+        <p:spPr>
+          <a:xfrm>
+            <a:off x="0" y="1038922"/>
+            <a:ext cx="12191999" cy="873512"/>
+          </a:xfrm>
+          <a:prstGeom prst="rect">
+            <a:avLst/>
+          </a:prstGeom>
+          <a:solidFill>
+            <a:schemeClr val="bg1"/>
+          </a:solidFill>
+          <a:ln>
+            <a:solidFill>
+              <a:schemeClr val="bg1"/>
+            </a:solidFill>
+          </a:ln>
+        </p:spPr>
+        <p:style>
+          <a:lnRef idx="2">
+            <a:schemeClr val="accent1">
+              <a:shade val="50000"/>
+            </a:schemeClr>
+          </a:lnRef>
+          <a:fillRef idx="1">
+            <a:schemeClr val="accent1"/>
+          </a:fillRef>
+          <a:effectRef idx="0">
+            <a:schemeClr val="accent1"/>
+          </a:effectRef>
+          <a:fontRef idx="minor">
+            <a:schemeClr val="lt1"/>
+          </a:fontRef>
+        </p:style>
+        <p:txBody>
+          <a:bodyPr rtlCol="0" anchor="ctr"/>
+          <a:lstStyle/>
+          <a:p>
+            <a:pPr algn="ctr"/>
+            <a:endParaRPr lang="ru-RU"/>
+          </a:p>
+        </p:txBody>
+      </p:sp>
+      <p:sp>
+        <p:nvSpPr>
+          <p:cNvPr id="8" name="Прямоугольник 7">
+            <a:extLst>
+              <a:ext uri="{FF2B5EF4-FFF2-40B4-BE49-F238E27FC236}">
+                <a16:creationId xmlns="" xmlns:a16="http://schemas.microsoft.com/office/drawing/2014/main" id="{DDFB5F18-AF25-4AF2-88B5-F84B82548EA7}"/>
+              </a:ext>
+            </a:extLst>
+          </p:cNvPr>
+          <p:cNvSpPr/>
+          <p:nvPr/>
+        </p:nvSpPr>
+        <p:spPr>
+          <a:xfrm>
+            <a:off x="1224776" y="5675971"/>
+            <a:ext cx="1607633" cy="910682"/>
+          </a:xfrm>
+          <a:prstGeom prst="rect">
+            <a:avLst/>
+          </a:prstGeom>
+          <a:solidFill>
+            <a:schemeClr val="bg1"/>
+          </a:solidFill>
+          <a:ln>
+            <a:solidFill>
+              <a:schemeClr val="bg1"/>
+            </a:solidFill>
+          </a:ln>
+        </p:spPr>
+        <p:style>
+          <a:lnRef idx="2">
+            <a:schemeClr val="accent1">
+              <a:shade val="50000"/>
+            </a:schemeClr>
+          </a:lnRef>
+          <a:fillRef idx="1">
+            <a:schemeClr val="accent1"/>
+          </a:fillRef>
+          <a:effectRef idx="0">
+            <a:schemeClr val="accent1"/>
+          </a:effectRef>
+          <a:fontRef idx="minor">
+            <a:schemeClr val="lt1"/>
+          </a:fontRef>
+        </p:style>
+        <p:txBody>
+          <a:bodyPr rtlCol="0" anchor="ctr"/>
+          <a:lstStyle/>
+          <a:p>
+            <a:pPr algn="ctr"/>
+            <a:endParaRPr lang="ru-RU"/>
+          </a:p>
+        </p:txBody>
+      </p:sp>
+      <p:pic>
+        <p:nvPicPr>
+          <p:cNvPr id="1026" name="Picture 2"/>
+          <p:cNvPicPr>
+            <a:picLocks noGrp="1" noChangeAspect="1" noChangeArrowheads="1"/>
+          </p:cNvPicPr>
           <p:nvPr>
             <p:ph idx="1"/>
           </p:nvPr>
-        </p:nvSpPr>
-        <p:spPr>
-          <a:xfrm>
-            <a:off x="420030" y="2456985"/>
-            <a:ext cx="11351941" cy="3822196"/>
-          </a:xfrm>
-        </p:spPr>
-        <p:txBody>
-          <a:bodyPr vert="horz" lIns="91440" tIns="45720" rIns="91440" bIns="45720" rtlCol="0" anchor="t">
-            <a:normAutofit/>
-          </a:bodyPr>
-          <a:lstStyle/>
-          <a:p>
-            <a:pPr marL="514350" indent="-514350">
-              <a:buAutoNum type="arabicPeriod"/>
-            </a:pPr>
-            <a:r>
-              <a:rPr lang="ru-RU" dirty="0">
-                <a:cs typeface="Calibri"/>
-              </a:rPr>
-              <a:t>Сохранение "красивых" графиков в </a:t>
-            </a:r>
-            <a:r>
-              <a:rPr lang="ru-RU" dirty="0" err="1">
-                <a:cs typeface="Calibri"/>
-              </a:rPr>
-              <a:t>png</a:t>
-            </a:r>
-          </a:p>
-          <a:p>
-            <a:pPr marL="514350" indent="-514350">
-              <a:buAutoNum type="arabicPeriod"/>
-            </a:pPr>
-            <a:r>
-              <a:rPr lang="ru-RU" dirty="0">
-                <a:cs typeface="Calibri"/>
-              </a:rPr>
-              <a:t>Сохранение анимации в </a:t>
-            </a:r>
-            <a:r>
-              <a:rPr lang="ru-RU" dirty="0" err="1">
-                <a:cs typeface="Calibri"/>
-              </a:rPr>
-              <a:t>gif</a:t>
-            </a:r>
-          </a:p>
-          <a:p>
-            <a:pPr marL="514350" indent="-514350">
-              <a:buAutoNum type="arabicPeriod"/>
-            </a:pPr>
-            <a:r>
-              <a:rPr lang="ru-RU" dirty="0">
-                <a:cs typeface="Calibri"/>
-              </a:rPr>
-              <a:t>Сохранение расчетов в </a:t>
-            </a:r>
-            <a:r>
-              <a:rPr lang="ru-RU" dirty="0" err="1">
-                <a:cs typeface="Calibri"/>
-              </a:rPr>
-              <a:t>csv</a:t>
-            </a:r>
-            <a:r>
-              <a:rPr lang="ru-RU" dirty="0">
-                <a:cs typeface="Calibri"/>
-              </a:rPr>
-              <a:t> формате</a:t>
-            </a:r>
-          </a:p>
-        </p:txBody>
-      </p:sp>
+        </p:nvPicPr>
+        <p:blipFill>
+          <a:blip r:embed="rId2">
+            <a:extLst>
+              <a:ext uri="{28A0092B-C50C-407E-A947-70E740481C1C}">
+                <a14:useLocalDpi xmlns:a14="http://schemas.microsoft.com/office/drawing/2010/main" val="0"/>
+              </a:ext>
+            </a:extLst>
+          </a:blip>
+          <a:srcRect/>
+          <a:stretch>
+            <a:fillRect/>
+          </a:stretch>
+        </p:blipFill>
+        <p:spPr bwMode="auto">
+          <a:xfrm>
+            <a:off x="923485" y="1038922"/>
+            <a:ext cx="10345028" cy="5819078"/>
+          </a:xfrm>
+          <a:prstGeom prst="rect">
+            <a:avLst/>
+          </a:prstGeom>
+          <a:noFill/>
+          <a:ln>
+            <a:noFill/>
+          </a:ln>
+          <a:extLst>
+            <a:ext uri="{909E8E84-426E-40DD-AFC4-6F175D3DCCD1}">
+              <a14:hiddenFill xmlns:a14="http://schemas.microsoft.com/office/drawing/2010/main">
+                <a:solidFill>
+                  <a:schemeClr val="accent1"/>
+                </a:solidFill>
+              </a14:hiddenFill>
+            </a:ext>
+            <a:ext uri="{91240B29-F687-4F45-9708-019B960494DF}">
+              <a14:hiddenLine xmlns:a14="http://schemas.microsoft.com/office/drawing/2010/main" w="9525">
+                <a:solidFill>
+                  <a:schemeClr val="tx1"/>
+                </a:solidFill>
+                <a:miter lim="800000"/>
+                <a:headEnd/>
+                <a:tailEnd/>
+              </a14:hiddenLine>
+            </a:ext>
+          </a:extLst>
+        </p:spPr>
+      </p:pic>
     </p:spTree>
     <p:extLst>
       <p:ext uri="{BB962C8B-B14F-4D97-AF65-F5344CB8AC3E}">
-        <p14:creationId xmlns:p14="http://schemas.microsoft.com/office/powerpoint/2010/main" val="4010518410"/>
+        <p14:creationId xmlns:p14="http://schemas.microsoft.com/office/powerpoint/2010/main" val="2528498660"/>
       </p:ext>
     </p:extLst>
   </p:cSld>
   <p:clrMapOvr>
     <a:masterClrMapping/>
   </p:clrMapOvr>
+  <p:timing>
+    <p:tnLst>
+      <p:par>
+        <p:cTn id="1" dur="indefinite" restart="never" nodeType="tmRoot"/>
+      </p:par>
+    </p:tnLst>
+  </p:timing>
 </p:sld>
 </file>
 
 <file path=ppt/slides/slide17.xml><?xml version="1.0" encoding="utf-8"?>
 <p:sld xmlns:a="http://schemas.openxmlformats.org/drawingml/2006/main" xmlns:r="http://schemas.openxmlformats.org/officeDocument/2006/relationships" xmlns:p="http://schemas.openxmlformats.org/presentationml/2006/main">
   <p:cSld>
+    <p:bg>
+      <p:bgPr>
+        <a:solidFill>
+          <a:schemeClr val="bg1"/>
+        </a:solidFill>
+        <a:effectLst/>
+      </p:bgPr>
+    </p:bg>
     <p:spTree>
       <p:nvGrpSpPr>
         <p:cNvPr id="1" name=""/>
@@ -7728,46 +7916,297 @@
           <a:chExt cx="0" cy="0"/>
         </a:xfrm>
       </p:grpSpPr>
-      <p:pic>
-        <p:nvPicPr>
-          <p:cNvPr id="4" name="Рисунок 4">
+      <p:sp>
+        <p:nvSpPr>
+          <p:cNvPr id="30" name="Rectangle 29">
             <a:extLst>
               <a:ext uri="{FF2B5EF4-FFF2-40B4-BE49-F238E27FC236}">
-                <a16:creationId xmlns:a16="http://schemas.microsoft.com/office/drawing/2014/main" id="{8316904F-8FF8-4A62-A991-EFC14C61395D}"/>
+                <a16:creationId xmlns="" xmlns:a16="http://schemas.microsoft.com/office/drawing/2014/main" id="{DE7FFD28-545C-4C88-A2E7-152FB234C92C}"/>
+              </a:ext>
+              <a:ext uri="{C183D7F6-B498-43B3-948B-1728B52AA6E4}">
+                <adec:decorative xmlns="" xmlns:adec="http://schemas.microsoft.com/office/drawing/2017/decorative" val="1"/>
               </a:ext>
             </a:extLst>
           </p:cNvPr>
+          <p:cNvSpPr>
+            <a:spLocks noGrp="1" noRot="1" noChangeAspect="1" noMove="1" noResize="1" noEditPoints="1" noAdjustHandles="1" noChangeArrowheads="1" noChangeShapeType="1" noTextEdit="1"/>
+          </p:cNvSpPr>
+          <p:nvPr>
+            <p:extLst>
+              <p:ext uri="{386F3935-93C4-4BCD-93E2-E3B085C9AB24}">
+                <p16:designElem xmlns="" xmlns:p16="http://schemas.microsoft.com/office/powerpoint/2015/main" val="1"/>
+              </p:ext>
+            </p:extLst>
+          </p:nvPr>
+        </p:nvSpPr>
+        <p:spPr>
+          <a:xfrm>
+            <a:off x="0" y="0"/>
+            <a:ext cx="12192000" cy="1911350"/>
+          </a:xfrm>
+          <a:prstGeom prst="rect">
+            <a:avLst/>
+          </a:prstGeom>
+          <a:solidFill>
+            <a:schemeClr val="accent5"/>
+          </a:solidFill>
+          <a:ln>
+            <a:noFill/>
+          </a:ln>
+        </p:spPr>
+        <p:style>
+          <a:lnRef idx="2">
+            <a:schemeClr val="accent1">
+              <a:shade val="50000"/>
+            </a:schemeClr>
+          </a:lnRef>
+          <a:fillRef idx="1">
+            <a:schemeClr val="accent1"/>
+          </a:fillRef>
+          <a:effectRef idx="0">
+            <a:schemeClr val="accent1"/>
+          </a:effectRef>
+          <a:fontRef idx="minor">
+            <a:schemeClr val="lt1"/>
+          </a:fontRef>
+        </p:style>
+        <p:txBody>
+          <a:bodyPr rtlCol="0" anchor="ctr"/>
+          <a:lstStyle/>
+          <a:p>
+            <a:pPr algn="ctr"/>
+            <a:endParaRPr lang="en-US" dirty="0"/>
+          </a:p>
+        </p:txBody>
+      </p:sp>
+      <p:sp>
+        <p:nvSpPr>
+          <p:cNvPr id="2" name="Заголовок 1">
+            <a:extLst>
+              <a:ext uri="{FF2B5EF4-FFF2-40B4-BE49-F238E27FC236}">
+                <a16:creationId xmlns="" xmlns:a16="http://schemas.microsoft.com/office/drawing/2014/main" id="{CCF85F47-D0D7-4C96-9C91-1CB5C6D921B4}"/>
+              </a:ext>
+            </a:extLst>
+          </p:cNvPr>
+          <p:cNvSpPr>
+            <a:spLocks noGrp="1"/>
+          </p:cNvSpPr>
+          <p:nvPr>
+            <p:ph type="title"/>
+          </p:nvPr>
+        </p:nvSpPr>
+        <p:spPr>
+          <a:xfrm>
+            <a:off x="838200" y="2710"/>
+            <a:ext cx="10515600" cy="1028197"/>
+          </a:xfrm>
+        </p:spPr>
+        <p:txBody>
+          <a:bodyPr>
+            <a:normAutofit/>
+          </a:bodyPr>
+          <a:lstStyle/>
+          <a:p>
+            <a:pPr algn="ctr"/>
+            <a:r>
+              <a:rPr lang="ru-RU" sz="4600" dirty="0" smtClean="0">
+                <a:solidFill>
+                  <a:srgbClr val="FFFFFF"/>
+                </a:solidFill>
+                <a:cs typeface="Calibri Light"/>
+              </a:rPr>
+              <a:t>Сохранение результатов</a:t>
+            </a:r>
+            <a:endParaRPr lang="ru-RU" sz="4600" dirty="0">
+              <a:solidFill>
+                <a:srgbClr val="FFFFFF"/>
+              </a:solidFill>
+              <a:cs typeface="Calibri Light"/>
+            </a:endParaRPr>
+          </a:p>
+        </p:txBody>
+      </p:sp>
+      <p:sp>
+        <p:nvSpPr>
+          <p:cNvPr id="7" name="Прямоугольник 6">
+            <a:extLst>
+              <a:ext uri="{FF2B5EF4-FFF2-40B4-BE49-F238E27FC236}">
+                <a16:creationId xmlns="" xmlns:a16="http://schemas.microsoft.com/office/drawing/2014/main" id="{8BD49D54-7B8D-435D-A17D-722E3CFBDCDF}"/>
+              </a:ext>
+            </a:extLst>
+          </p:cNvPr>
+          <p:cNvSpPr/>
+          <p:nvPr/>
+        </p:nvSpPr>
+        <p:spPr>
+          <a:xfrm>
+            <a:off x="0" y="1038922"/>
+            <a:ext cx="12191999" cy="873512"/>
+          </a:xfrm>
+          <a:prstGeom prst="rect">
+            <a:avLst/>
+          </a:prstGeom>
+          <a:solidFill>
+            <a:schemeClr val="bg1"/>
+          </a:solidFill>
+          <a:ln>
+            <a:solidFill>
+              <a:schemeClr val="bg1"/>
+            </a:solidFill>
+          </a:ln>
+        </p:spPr>
+        <p:style>
+          <a:lnRef idx="2">
+            <a:schemeClr val="accent1">
+              <a:shade val="50000"/>
+            </a:schemeClr>
+          </a:lnRef>
+          <a:fillRef idx="1">
+            <a:schemeClr val="accent1"/>
+          </a:fillRef>
+          <a:effectRef idx="0">
+            <a:schemeClr val="accent1"/>
+          </a:effectRef>
+          <a:fontRef idx="minor">
+            <a:schemeClr val="lt1"/>
+          </a:fontRef>
+        </p:style>
+        <p:txBody>
+          <a:bodyPr rtlCol="0" anchor="ctr"/>
+          <a:lstStyle/>
+          <a:p>
+            <a:pPr algn="ctr"/>
+            <a:endParaRPr lang="ru-RU"/>
+          </a:p>
+        </p:txBody>
+      </p:sp>
+      <p:sp>
+        <p:nvSpPr>
+          <p:cNvPr id="8" name="Прямоугольник 7">
+            <a:extLst>
+              <a:ext uri="{FF2B5EF4-FFF2-40B4-BE49-F238E27FC236}">
+                <a16:creationId xmlns="" xmlns:a16="http://schemas.microsoft.com/office/drawing/2014/main" id="{DDFB5F18-AF25-4AF2-88B5-F84B82548EA7}"/>
+              </a:ext>
+            </a:extLst>
+          </p:cNvPr>
+          <p:cNvSpPr/>
+          <p:nvPr/>
+        </p:nvSpPr>
+        <p:spPr>
+          <a:xfrm>
+            <a:off x="1224776" y="5675971"/>
+            <a:ext cx="1607633" cy="910682"/>
+          </a:xfrm>
+          <a:prstGeom prst="rect">
+            <a:avLst/>
+          </a:prstGeom>
+          <a:solidFill>
+            <a:schemeClr val="bg1"/>
+          </a:solidFill>
+          <a:ln>
+            <a:solidFill>
+              <a:schemeClr val="bg1"/>
+            </a:solidFill>
+          </a:ln>
+        </p:spPr>
+        <p:style>
+          <a:lnRef idx="2">
+            <a:schemeClr val="accent1">
+              <a:shade val="50000"/>
+            </a:schemeClr>
+          </a:lnRef>
+          <a:fillRef idx="1">
+            <a:schemeClr val="accent1"/>
+          </a:fillRef>
+          <a:effectRef idx="0">
+            <a:schemeClr val="accent1"/>
+          </a:effectRef>
+          <a:fontRef idx="minor">
+            <a:schemeClr val="lt1"/>
+          </a:fontRef>
+        </p:style>
+        <p:txBody>
+          <a:bodyPr rtlCol="0" anchor="ctr"/>
+          <a:lstStyle/>
+          <a:p>
+            <a:pPr algn="ctr"/>
+            <a:endParaRPr lang="ru-RU"/>
+          </a:p>
+        </p:txBody>
+      </p:sp>
+      <p:pic>
+        <p:nvPicPr>
+          <p:cNvPr id="2050" name="Picture 2"/>
           <p:cNvPicPr>
-            <a:picLocks noChangeAspect="1"/>
+            <a:picLocks noGrp="1" noChangeAspect="1" noChangeArrowheads="1"/>
           </p:cNvPicPr>
-          <p:nvPr/>
+          <p:nvPr>
+            <p:ph idx="1"/>
+          </p:nvPr>
         </p:nvPicPr>
         <p:blipFill>
-          <a:blip r:embed="rId2"/>
+          <a:blip r:embed="rId2">
+            <a:extLst>
+              <a:ext uri="{28A0092B-C50C-407E-A947-70E740481C1C}">
+                <a14:useLocalDpi xmlns:a14="http://schemas.microsoft.com/office/drawing/2010/main" val="0"/>
+              </a:ext>
+            </a:extLst>
+          </a:blip>
+          <a:srcRect/>
           <a:stretch>
             <a:fillRect/>
           </a:stretch>
         </p:blipFill>
-        <p:spPr>
-          <a:xfrm>
-            <a:off x="3313" y="-1242"/>
-            <a:ext cx="12184565" cy="6858463"/>
+        <p:spPr bwMode="auto">
+          <a:xfrm>
+            <a:off x="803453" y="1033575"/>
+            <a:ext cx="10345028" cy="5819078"/>
           </a:xfrm>
           <a:prstGeom prst="rect">
             <a:avLst/>
           </a:prstGeom>
+          <a:noFill/>
+          <a:ln>
+            <a:noFill/>
+          </a:ln>
+          <a:extLst>
+            <a:ext uri="{909E8E84-426E-40DD-AFC4-6F175D3DCCD1}">
+              <a14:hiddenFill xmlns:a14="http://schemas.microsoft.com/office/drawing/2010/main">
+                <a:solidFill>
+                  <a:schemeClr val="accent1"/>
+                </a:solidFill>
+              </a14:hiddenFill>
+            </a:ext>
+            <a:ext uri="{91240B29-F687-4F45-9708-019B960494DF}">
+              <a14:hiddenLine xmlns:a14="http://schemas.microsoft.com/office/drawing/2010/main" w="9525">
+                <a:solidFill>
+                  <a:schemeClr val="tx1"/>
+                </a:solidFill>
+                <a:miter lim="800000"/>
+                <a:headEnd/>
+                <a:tailEnd/>
+              </a14:hiddenLine>
+            </a:ext>
+          </a:extLst>
         </p:spPr>
       </p:pic>
     </p:spTree>
     <p:extLst>
       <p:ext uri="{BB962C8B-B14F-4D97-AF65-F5344CB8AC3E}">
-        <p14:creationId xmlns:p14="http://schemas.microsoft.com/office/powerpoint/2010/main" val="1904514376"/>
+        <p14:creationId xmlns:p14="http://schemas.microsoft.com/office/powerpoint/2010/main" val="209342528"/>
       </p:ext>
     </p:extLst>
   </p:cSld>
   <p:clrMapOvr>
     <a:masterClrMapping/>
   </p:clrMapOvr>
+  <p:timing>
+    <p:tnLst>
+      <p:par>
+        <p:cTn id="1" dur="indefinite" restart="never" nodeType="tmRoot"/>
+      </p:par>
+    </p:tnLst>
+  </p:timing>
 </p:sld>
 </file>
 
@@ -7801,10 +8240,10 @@
           <p:cNvPr id="7" name="Rectangle 6">
             <a:extLst>
               <a:ext uri="{FF2B5EF4-FFF2-40B4-BE49-F238E27FC236}">
-                <a16:creationId xmlns:a16="http://schemas.microsoft.com/office/drawing/2014/main" id="{0B3B9DBC-97CC-4A18-B4A6-66E240292269}"/>
+                <a16:creationId xmlns="" xmlns:a16="http://schemas.microsoft.com/office/drawing/2014/main" id="{0B3B9DBC-97CC-4A18-B4A6-66E240292269}"/>
               </a:ext>
               <a:ext uri="{C183D7F6-B498-43B3-948B-1728B52AA6E4}">
-                <adec:decorative xmlns:adec="http://schemas.microsoft.com/office/drawing/2017/decorative" val="1"/>
+                <adec:decorative xmlns="" xmlns:adec="http://schemas.microsoft.com/office/drawing/2017/decorative" val="1"/>
               </a:ext>
             </a:extLst>
           </p:cNvPr>
@@ -7814,7 +8253,7 @@
           <p:nvPr>
             <p:extLst>
               <p:ext uri="{386F3935-93C4-4BCD-93E2-E3B085C9AB24}">
-                <p16:designElem xmlns:p16="http://schemas.microsoft.com/office/powerpoint/2015/main" val="1"/>
+                <p16:designElem xmlns="" xmlns:p16="http://schemas.microsoft.com/office/powerpoint/2015/main" val="1"/>
               </p:ext>
             </p:extLst>
           </p:nvPr>
@@ -7861,10 +8300,10 @@
           <p:cNvPr id="9" name="Rectangle 8">
             <a:extLst>
               <a:ext uri="{FF2B5EF4-FFF2-40B4-BE49-F238E27FC236}">
-                <a16:creationId xmlns:a16="http://schemas.microsoft.com/office/drawing/2014/main" id="{F4492644-1D84-449E-94E4-5FC5C873D32E}"/>
+                <a16:creationId xmlns="" xmlns:a16="http://schemas.microsoft.com/office/drawing/2014/main" id="{F4492644-1D84-449E-94E4-5FC5C873D32E}"/>
               </a:ext>
               <a:ext uri="{C183D7F6-B498-43B3-948B-1728B52AA6E4}">
-                <adec:decorative xmlns:adec="http://schemas.microsoft.com/office/drawing/2017/decorative" val="1"/>
+                <adec:decorative xmlns="" xmlns:adec="http://schemas.microsoft.com/office/drawing/2017/decorative" val="1"/>
               </a:ext>
             </a:extLst>
           </p:cNvPr>
@@ -7874,7 +8313,7 @@
           <p:nvPr>
             <p:extLst>
               <p:ext uri="{386F3935-93C4-4BCD-93E2-E3B085C9AB24}">
-                <p16:designElem xmlns:p16="http://schemas.microsoft.com/office/powerpoint/2015/main" val="1"/>
+                <p16:designElem xmlns="" xmlns:p16="http://schemas.microsoft.com/office/powerpoint/2015/main" val="1"/>
               </p:ext>
             </p:extLst>
           </p:nvPr>
@@ -7926,7 +8365,7 @@
           <p:cNvPr id="2" name="Заголовок 1">
             <a:extLst>
               <a:ext uri="{FF2B5EF4-FFF2-40B4-BE49-F238E27FC236}">
-                <a16:creationId xmlns:a16="http://schemas.microsoft.com/office/drawing/2014/main" id="{B3FFE3CB-9849-4471-B8BD-69B5BE2AC713}"/>
+                <a16:creationId xmlns="" xmlns:a16="http://schemas.microsoft.com/office/drawing/2014/main" id="{B3FFE3CB-9849-4471-B8BD-69B5BE2AC713}"/>
               </a:ext>
             </a:extLst>
           </p:cNvPr>
@@ -7972,10 +8411,10 @@
           <p:cNvPr id="11" name="Freeform 6">
             <a:extLst>
               <a:ext uri="{FF2B5EF4-FFF2-40B4-BE49-F238E27FC236}">
-                <a16:creationId xmlns:a16="http://schemas.microsoft.com/office/drawing/2014/main" id="{94EE1A74-DEBF-434E-8B5E-7AB296ECBE08}"/>
+                <a16:creationId xmlns="" xmlns:a16="http://schemas.microsoft.com/office/drawing/2014/main" id="{94EE1A74-DEBF-434E-8B5E-7AB296ECBE08}"/>
               </a:ext>
               <a:ext uri="{C183D7F6-B498-43B3-948B-1728B52AA6E4}">
-                <adec:decorative xmlns:adec="http://schemas.microsoft.com/office/drawing/2017/decorative" val="1"/>
+                <adec:decorative xmlns="" xmlns:adec="http://schemas.microsoft.com/office/drawing/2017/decorative" val="1"/>
               </a:ext>
             </a:extLst>
           </p:cNvPr>
@@ -7985,7 +8424,7 @@
           <p:nvPr>
             <p:extLst>
               <p:ext uri="{386F3935-93C4-4BCD-93E2-E3B085C9AB24}">
-                <p16:designElem xmlns:p16="http://schemas.microsoft.com/office/powerpoint/2015/main" val="1"/>
+                <p16:designElem xmlns="" xmlns:p16="http://schemas.microsoft.com/office/powerpoint/2015/main" val="1"/>
               </p:ext>
             </p:extLst>
           </p:nvPr>
@@ -8075,10 +8514,10 @@
           <p:cNvPr id="13" name="Freeform 7">
             <a:extLst>
               <a:ext uri="{FF2B5EF4-FFF2-40B4-BE49-F238E27FC236}">
-                <a16:creationId xmlns:a16="http://schemas.microsoft.com/office/drawing/2014/main" id="{8C7C4D4B-92D9-4FA4-A294-749E8574FF51}"/>
+                <a16:creationId xmlns="" xmlns:a16="http://schemas.microsoft.com/office/drawing/2014/main" id="{8C7C4D4B-92D9-4FA4-A294-749E8574FF51}"/>
               </a:ext>
               <a:ext uri="{C183D7F6-B498-43B3-948B-1728B52AA6E4}">
-                <adec:decorative xmlns:adec="http://schemas.microsoft.com/office/drawing/2017/decorative" val="1"/>
+                <adec:decorative xmlns="" xmlns:adec="http://schemas.microsoft.com/office/drawing/2017/decorative" val="1"/>
               </a:ext>
             </a:extLst>
           </p:cNvPr>
@@ -8088,7 +8527,7 @@
           <p:nvPr>
             <p:extLst>
               <p:ext uri="{386F3935-93C4-4BCD-93E2-E3B085C9AB24}">
-                <p16:designElem xmlns:p16="http://schemas.microsoft.com/office/powerpoint/2015/main" val="1"/>
+                <p16:designElem xmlns="" xmlns:p16="http://schemas.microsoft.com/office/powerpoint/2015/main" val="1"/>
               </p:ext>
             </p:extLst>
           </p:nvPr>
@@ -8178,10 +8617,10 @@
           <p:cNvPr id="15" name="Rectangle 8">
             <a:extLst>
               <a:ext uri="{FF2B5EF4-FFF2-40B4-BE49-F238E27FC236}">
-                <a16:creationId xmlns:a16="http://schemas.microsoft.com/office/drawing/2014/main" id="{BADA3358-2A3F-41B0-A458-6FD1DB3AF9BB}"/>
+                <a16:creationId xmlns="" xmlns:a16="http://schemas.microsoft.com/office/drawing/2014/main" id="{BADA3358-2A3F-41B0-A458-6FD1DB3AF9BB}"/>
               </a:ext>
               <a:ext uri="{C183D7F6-B498-43B3-948B-1728B52AA6E4}">
-                <adec:decorative xmlns:adec="http://schemas.microsoft.com/office/drawing/2017/decorative" val="1"/>
+                <adec:decorative xmlns="" xmlns:adec="http://schemas.microsoft.com/office/drawing/2017/decorative" val="1"/>
               </a:ext>
             </a:extLst>
           </p:cNvPr>
@@ -8191,7 +8630,7 @@
           <p:nvPr>
             <p:extLst>
               <p:ext uri="{386F3935-93C4-4BCD-93E2-E3B085C9AB24}">
-                <p16:designElem xmlns:p16="http://schemas.microsoft.com/office/powerpoint/2015/main" val="1"/>
+                <p16:designElem xmlns="" xmlns:p16="http://schemas.microsoft.com/office/powerpoint/2015/main" val="1"/>
               </p:ext>
             </p:extLst>
           </p:nvPr>
@@ -8228,10 +8667,10 @@
           <p:cNvPr id="17" name="Rectangle 8">
             <a:extLst>
               <a:ext uri="{FF2B5EF4-FFF2-40B4-BE49-F238E27FC236}">
-                <a16:creationId xmlns:a16="http://schemas.microsoft.com/office/drawing/2014/main" id="{E4737216-37B2-43AD-AB08-05BFCCEFC99E}"/>
+                <a16:creationId xmlns="" xmlns:a16="http://schemas.microsoft.com/office/drawing/2014/main" id="{E4737216-37B2-43AD-AB08-05BFCCEFC99E}"/>
               </a:ext>
               <a:ext uri="{C183D7F6-B498-43B3-948B-1728B52AA6E4}">
-                <adec:decorative xmlns:adec="http://schemas.microsoft.com/office/drawing/2017/decorative" val="1"/>
+                <adec:decorative xmlns="" xmlns:adec="http://schemas.microsoft.com/office/drawing/2017/decorative" val="1"/>
               </a:ext>
             </a:extLst>
           </p:cNvPr>
@@ -8241,7 +8680,7 @@
           <p:nvPr>
             <p:extLst>
               <p:ext uri="{386F3935-93C4-4BCD-93E2-E3B085C9AB24}">
-                <p16:designElem xmlns:p16="http://schemas.microsoft.com/office/powerpoint/2015/main" val="1"/>
+                <p16:designElem xmlns="" xmlns:p16="http://schemas.microsoft.com/office/powerpoint/2015/main" val="1"/>
               </p:ext>
             </p:extLst>
           </p:nvPr>
@@ -8283,6 +8722,13 @@
   <p:clrMapOvr>
     <a:masterClrMapping/>
   </p:clrMapOvr>
+  <p:timing>
+    <p:tnLst>
+      <p:par>
+        <p:cTn id="1" dur="indefinite" restart="never" nodeType="tmRoot"/>
+      </p:par>
+    </p:tnLst>
+  </p:timing>
 </p:sld>
 </file>
 
@@ -8316,10 +8762,10 @@
           <p:cNvPr id="8" name="Rectangle 7">
             <a:extLst>
               <a:ext uri="{FF2B5EF4-FFF2-40B4-BE49-F238E27FC236}">
-                <a16:creationId xmlns:a16="http://schemas.microsoft.com/office/drawing/2014/main" id="{DE7FFD28-545C-4C88-A2E7-152FB234C92C}"/>
+                <a16:creationId xmlns="" xmlns:a16="http://schemas.microsoft.com/office/drawing/2014/main" id="{DE7FFD28-545C-4C88-A2E7-152FB234C92C}"/>
               </a:ext>
               <a:ext uri="{C183D7F6-B498-43B3-948B-1728B52AA6E4}">
-                <adec:decorative xmlns:adec="http://schemas.microsoft.com/office/drawing/2017/decorative" val="1"/>
+                <adec:decorative xmlns="" xmlns:adec="http://schemas.microsoft.com/office/drawing/2017/decorative" val="1"/>
               </a:ext>
             </a:extLst>
           </p:cNvPr>
@@ -8329,7 +8775,7 @@
           <p:nvPr>
             <p:extLst>
               <p:ext uri="{386F3935-93C4-4BCD-93E2-E3B085C9AB24}">
-                <p16:designElem xmlns:p16="http://schemas.microsoft.com/office/powerpoint/2015/main" val="1"/>
+                <p16:designElem xmlns="" xmlns:p16="http://schemas.microsoft.com/office/powerpoint/2015/main" val="1"/>
               </p:ext>
             </p:extLst>
           </p:nvPr>
@@ -8379,7 +8825,7 @@
           <p:cNvPr id="2" name="Заголовок 1">
             <a:extLst>
               <a:ext uri="{FF2B5EF4-FFF2-40B4-BE49-F238E27FC236}">
-                <a16:creationId xmlns:a16="http://schemas.microsoft.com/office/drawing/2014/main" id="{56ADC287-98D7-45A2-9BE9-162FD421B02C}"/>
+                <a16:creationId xmlns="" xmlns:a16="http://schemas.microsoft.com/office/drawing/2014/main" id="{56ADC287-98D7-45A2-9BE9-162FD421B02C}"/>
               </a:ext>
             </a:extLst>
           </p:cNvPr>
@@ -8421,7 +8867,7 @@
           <p:cNvPr id="3" name="Объект 2">
             <a:extLst>
               <a:ext uri="{FF2B5EF4-FFF2-40B4-BE49-F238E27FC236}">
-                <a16:creationId xmlns:a16="http://schemas.microsoft.com/office/drawing/2014/main" id="{E0719265-3131-4C23-AB09-0D0906BA455F}"/>
+                <a16:creationId xmlns="" xmlns:a16="http://schemas.microsoft.com/office/drawing/2014/main" id="{E0719265-3131-4C23-AB09-0D0906BA455F}"/>
               </a:ext>
             </a:extLst>
           </p:cNvPr>
@@ -8482,6 +8928,10 @@
             <a:pPr marL="0" indent="0">
               <a:buNone/>
             </a:pPr>
+            <a:r>
+              <a:rPr lang="en-US" dirty="0"/>
+              <a:t/>
+            </a:r>
             <a:br>
               <a:rPr lang="en-US" dirty="0"/>
             </a:br>
@@ -8501,6 +8951,13 @@
   <p:clrMapOvr>
     <a:masterClrMapping/>
   </p:clrMapOvr>
+  <p:timing>
+    <p:tnLst>
+      <p:par>
+        <p:cTn id="1" dur="indefinite" restart="never" nodeType="tmRoot"/>
+      </p:par>
+    </p:tnLst>
+  </p:timing>
 </p:sld>
 </file>
 
@@ -8534,10 +8991,10 @@
           <p:cNvPr id="8" name="Rectangle 7">
             <a:extLst>
               <a:ext uri="{FF2B5EF4-FFF2-40B4-BE49-F238E27FC236}">
-                <a16:creationId xmlns:a16="http://schemas.microsoft.com/office/drawing/2014/main" id="{DE7FFD28-545C-4C88-A2E7-152FB234C92C}"/>
+                <a16:creationId xmlns="" xmlns:a16="http://schemas.microsoft.com/office/drawing/2014/main" id="{DE7FFD28-545C-4C88-A2E7-152FB234C92C}"/>
               </a:ext>
               <a:ext uri="{C183D7F6-B498-43B3-948B-1728B52AA6E4}">
-                <adec:decorative xmlns:adec="http://schemas.microsoft.com/office/drawing/2017/decorative" val="1"/>
+                <adec:decorative xmlns="" xmlns:adec="http://schemas.microsoft.com/office/drawing/2017/decorative" val="1"/>
               </a:ext>
             </a:extLst>
           </p:cNvPr>
@@ -8547,7 +9004,7 @@
           <p:nvPr>
             <p:extLst>
               <p:ext uri="{386F3935-93C4-4BCD-93E2-E3B085C9AB24}">
-                <p16:designElem xmlns:p16="http://schemas.microsoft.com/office/powerpoint/2015/main" val="1"/>
+                <p16:designElem xmlns="" xmlns:p16="http://schemas.microsoft.com/office/powerpoint/2015/main" val="1"/>
               </p:ext>
             </p:extLst>
           </p:nvPr>
@@ -8597,7 +9054,7 @@
           <p:cNvPr id="2" name="Заголовок 1">
             <a:extLst>
               <a:ext uri="{FF2B5EF4-FFF2-40B4-BE49-F238E27FC236}">
-                <a16:creationId xmlns:a16="http://schemas.microsoft.com/office/drawing/2014/main" id="{56ADC287-98D7-45A2-9BE9-162FD421B02C}"/>
+                <a16:creationId xmlns="" xmlns:a16="http://schemas.microsoft.com/office/drawing/2014/main" id="{56ADC287-98D7-45A2-9BE9-162FD421B02C}"/>
               </a:ext>
             </a:extLst>
           </p:cNvPr>
@@ -8639,7 +9096,7 @@
           <p:cNvPr id="3" name="Объект 2">
             <a:extLst>
               <a:ext uri="{FF2B5EF4-FFF2-40B4-BE49-F238E27FC236}">
-                <a16:creationId xmlns:a16="http://schemas.microsoft.com/office/drawing/2014/main" id="{E0719265-3131-4C23-AB09-0D0906BA455F}"/>
+                <a16:creationId xmlns="" xmlns:a16="http://schemas.microsoft.com/office/drawing/2014/main" id="{E0719265-3131-4C23-AB09-0D0906BA455F}"/>
               </a:ext>
             </a:extLst>
           </p:cNvPr>
@@ -8798,6 +9255,10 @@
             <a:pPr marL="0" indent="0">
               <a:buNone/>
             </a:pPr>
+            <a:r>
+              <a:rPr lang="en-US" dirty="0"/>
+              <a:t/>
+            </a:r>
             <a:br>
               <a:rPr lang="en-US" dirty="0"/>
             </a:br>
@@ -8815,6 +9276,13 @@
   <p:clrMapOvr>
     <a:masterClrMapping/>
   </p:clrMapOvr>
+  <p:timing>
+    <p:tnLst>
+      <p:par>
+        <p:cTn id="1" dur="indefinite" restart="never" nodeType="tmRoot"/>
+      </p:par>
+    </p:tnLst>
+  </p:timing>
 </p:sld>
 </file>
 
@@ -8848,7 +9316,7 @@
           <p:cNvPr id="5" name="Рисунок 5" descr="Изображение выглядит как стол&#10;&#10;Автоматически созданное описание">
             <a:extLst>
               <a:ext uri="{FF2B5EF4-FFF2-40B4-BE49-F238E27FC236}">
-                <a16:creationId xmlns:a16="http://schemas.microsoft.com/office/drawing/2014/main" id="{3C8642E5-4F11-4876-B194-950012221E22}"/>
+                <a16:creationId xmlns="" xmlns:a16="http://schemas.microsoft.com/office/drawing/2014/main" id="{3C8642E5-4F11-4876-B194-950012221E22}"/>
               </a:ext>
             </a:extLst>
           </p:cNvPr>
@@ -8878,7 +9346,7 @@
           <p:cNvPr id="6" name="Рисунок 6" descr="Изображение выглядит как стол&#10;&#10;Автоматически созданное описание">
             <a:extLst>
               <a:ext uri="{FF2B5EF4-FFF2-40B4-BE49-F238E27FC236}">
-                <a16:creationId xmlns:a16="http://schemas.microsoft.com/office/drawing/2014/main" id="{FD1CCD8B-F2B3-43C2-9BBE-89B8F11B3EEF}"/>
+                <a16:creationId xmlns="" xmlns:a16="http://schemas.microsoft.com/office/drawing/2014/main" id="{FD1CCD8B-F2B3-43C2-9BBE-89B8F11B3EEF}"/>
               </a:ext>
             </a:extLst>
           </p:cNvPr>
@@ -8908,10 +9376,10 @@
           <p:cNvPr id="11" name="Rectangle 10">
             <a:extLst>
               <a:ext uri="{FF2B5EF4-FFF2-40B4-BE49-F238E27FC236}">
-                <a16:creationId xmlns:a16="http://schemas.microsoft.com/office/drawing/2014/main" id="{799448F2-0E5B-42DA-B2D1-11A14E947BD4}"/>
+                <a16:creationId xmlns="" xmlns:a16="http://schemas.microsoft.com/office/drawing/2014/main" id="{799448F2-0E5B-42DA-B2D1-11A14E947BD4}"/>
               </a:ext>
               <a:ext uri="{C183D7F6-B498-43B3-948B-1728B52AA6E4}">
-                <adec:decorative xmlns:adec="http://schemas.microsoft.com/office/drawing/2017/decorative" val="1"/>
+                <adec:decorative xmlns="" xmlns:adec="http://schemas.microsoft.com/office/drawing/2017/decorative" val="1"/>
               </a:ext>
             </a:extLst>
           </p:cNvPr>
@@ -8921,7 +9389,7 @@
           <p:nvPr>
             <p:extLst>
               <p:ext uri="{386F3935-93C4-4BCD-93E2-E3B085C9AB24}">
-                <p16:designElem xmlns:p16="http://schemas.microsoft.com/office/powerpoint/2015/main" val="1"/>
+                <p16:designElem xmlns="" xmlns:p16="http://schemas.microsoft.com/office/powerpoint/2015/main" val="1"/>
               </p:ext>
             </p:extLst>
           </p:nvPr>
@@ -8974,10 +9442,10 @@
           <p:cNvPr id="13" name="Rectangle 12">
             <a:extLst>
               <a:ext uri="{FF2B5EF4-FFF2-40B4-BE49-F238E27FC236}">
-                <a16:creationId xmlns:a16="http://schemas.microsoft.com/office/drawing/2014/main" id="{4E8A7552-20E1-4F34-ADAB-C1DB6634D47E}"/>
+                <a16:creationId xmlns="" xmlns:a16="http://schemas.microsoft.com/office/drawing/2014/main" id="{4E8A7552-20E1-4F34-ADAB-C1DB6634D47E}"/>
               </a:ext>
               <a:ext uri="{C183D7F6-B498-43B3-948B-1728B52AA6E4}">
-                <adec:decorative xmlns:adec="http://schemas.microsoft.com/office/drawing/2017/decorative" val="1"/>
+                <adec:decorative xmlns="" xmlns:adec="http://schemas.microsoft.com/office/drawing/2017/decorative" val="1"/>
               </a:ext>
             </a:extLst>
           </p:cNvPr>
@@ -8987,7 +9455,7 @@
           <p:nvPr>
             <p:extLst>
               <p:ext uri="{386F3935-93C4-4BCD-93E2-E3B085C9AB24}">
-                <p16:designElem xmlns:p16="http://schemas.microsoft.com/office/powerpoint/2015/main" val="1"/>
+                <p16:designElem xmlns="" xmlns:p16="http://schemas.microsoft.com/office/powerpoint/2015/main" val="1"/>
               </p:ext>
             </p:extLst>
           </p:nvPr>
@@ -9040,7 +9508,7 @@
           <p:cNvPr id="4" name="Рисунок 4" descr="Изображение выглядит как стол&#10;&#10;Автоматически созданное описание">
             <a:extLst>
               <a:ext uri="{FF2B5EF4-FFF2-40B4-BE49-F238E27FC236}">
-                <a16:creationId xmlns:a16="http://schemas.microsoft.com/office/drawing/2014/main" id="{B91C1DDF-3580-428F-8340-115B18634CA9}"/>
+                <a16:creationId xmlns="" xmlns:a16="http://schemas.microsoft.com/office/drawing/2014/main" id="{B91C1DDF-3580-428F-8340-115B18634CA9}"/>
               </a:ext>
             </a:extLst>
           </p:cNvPr>
@@ -9070,7 +9538,7 @@
           <p:cNvPr id="7" name="TextBox 6">
             <a:extLst>
               <a:ext uri="{FF2B5EF4-FFF2-40B4-BE49-F238E27FC236}">
-                <a16:creationId xmlns:a16="http://schemas.microsoft.com/office/drawing/2014/main" id="{E3876FCB-AB63-4091-94EC-8E7B32B21E8A}"/>
+                <a16:creationId xmlns="" xmlns:a16="http://schemas.microsoft.com/office/drawing/2014/main" id="{E3876FCB-AB63-4091-94EC-8E7B32B21E8A}"/>
               </a:ext>
             </a:extLst>
           </p:cNvPr>
@@ -9110,7 +9578,7 @@
           <p:cNvPr id="10" name="TextBox 9">
             <a:extLst>
               <a:ext uri="{FF2B5EF4-FFF2-40B4-BE49-F238E27FC236}">
-                <a16:creationId xmlns:a16="http://schemas.microsoft.com/office/drawing/2014/main" id="{14587516-4864-4EBF-8367-F55BB6DA7F8F}"/>
+                <a16:creationId xmlns="" xmlns:a16="http://schemas.microsoft.com/office/drawing/2014/main" id="{14587516-4864-4EBF-8367-F55BB6DA7F8F}"/>
               </a:ext>
             </a:extLst>
           </p:cNvPr>
@@ -9150,7 +9618,7 @@
           <p:cNvPr id="12" name="TextBox 11">
             <a:extLst>
               <a:ext uri="{FF2B5EF4-FFF2-40B4-BE49-F238E27FC236}">
-                <a16:creationId xmlns:a16="http://schemas.microsoft.com/office/drawing/2014/main" id="{5647C5B6-0F64-4682-8098-50562CE7F8EF}"/>
+                <a16:creationId xmlns="" xmlns:a16="http://schemas.microsoft.com/office/drawing/2014/main" id="{5647C5B6-0F64-4682-8098-50562CE7F8EF}"/>
               </a:ext>
             </a:extLst>
           </p:cNvPr>
@@ -9197,6 +9665,13 @@
   <p:clrMapOvr>
     <a:masterClrMapping/>
   </p:clrMapOvr>
+  <p:timing>
+    <p:tnLst>
+      <p:par>
+        <p:cTn id="1" dur="indefinite" restart="never" nodeType="tmRoot"/>
+      </p:par>
+    </p:tnLst>
+  </p:timing>
 </p:sld>
 </file>
 
@@ -9230,10 +9705,10 @@
           <p:cNvPr id="30" name="Rectangle 29">
             <a:extLst>
               <a:ext uri="{FF2B5EF4-FFF2-40B4-BE49-F238E27FC236}">
-                <a16:creationId xmlns:a16="http://schemas.microsoft.com/office/drawing/2014/main" id="{DE7FFD28-545C-4C88-A2E7-152FB234C92C}"/>
+                <a16:creationId xmlns="" xmlns:a16="http://schemas.microsoft.com/office/drawing/2014/main" id="{DE7FFD28-545C-4C88-A2E7-152FB234C92C}"/>
               </a:ext>
               <a:ext uri="{C183D7F6-B498-43B3-948B-1728B52AA6E4}">
-                <adec:decorative xmlns:adec="http://schemas.microsoft.com/office/drawing/2017/decorative" val="1"/>
+                <adec:decorative xmlns="" xmlns:adec="http://schemas.microsoft.com/office/drawing/2017/decorative" val="1"/>
               </a:ext>
             </a:extLst>
           </p:cNvPr>
@@ -9243,7 +9718,7 @@
           <p:nvPr>
             <p:extLst>
               <p:ext uri="{386F3935-93C4-4BCD-93E2-E3B085C9AB24}">
-                <p16:designElem xmlns:p16="http://schemas.microsoft.com/office/powerpoint/2015/main" val="1"/>
+                <p16:designElem xmlns="" xmlns:p16="http://schemas.microsoft.com/office/powerpoint/2015/main" val="1"/>
               </p:ext>
             </p:extLst>
           </p:nvPr>
@@ -9293,7 +9768,7 @@
           <p:cNvPr id="2" name="Заголовок 1">
             <a:extLst>
               <a:ext uri="{FF2B5EF4-FFF2-40B4-BE49-F238E27FC236}">
-                <a16:creationId xmlns:a16="http://schemas.microsoft.com/office/drawing/2014/main" id="{CCF85F47-D0D7-4C96-9C91-1CB5C6D921B4}"/>
+                <a16:creationId xmlns="" xmlns:a16="http://schemas.microsoft.com/office/drawing/2014/main" id="{CCF85F47-D0D7-4C96-9C91-1CB5C6D921B4}"/>
               </a:ext>
             </a:extLst>
           </p:cNvPr>
@@ -9380,6 +9855,13 @@
   <p:clrMapOvr>
     <a:masterClrMapping/>
   </p:clrMapOvr>
+  <p:timing>
+    <p:tnLst>
+      <p:par>
+        <p:cTn id="1" dur="indefinite" restart="never" nodeType="tmRoot"/>
+      </p:par>
+    </p:tnLst>
+  </p:timing>
 </p:sld>
 </file>
 
@@ -9413,10 +9895,10 @@
           <p:cNvPr id="30" name="Rectangle 29">
             <a:extLst>
               <a:ext uri="{FF2B5EF4-FFF2-40B4-BE49-F238E27FC236}">
-                <a16:creationId xmlns:a16="http://schemas.microsoft.com/office/drawing/2014/main" id="{DE7FFD28-545C-4C88-A2E7-152FB234C92C}"/>
+                <a16:creationId xmlns="" xmlns:a16="http://schemas.microsoft.com/office/drawing/2014/main" id="{DE7FFD28-545C-4C88-A2E7-152FB234C92C}"/>
               </a:ext>
               <a:ext uri="{C183D7F6-B498-43B3-948B-1728B52AA6E4}">
-                <adec:decorative xmlns:adec="http://schemas.microsoft.com/office/drawing/2017/decorative" val="1"/>
+                <adec:decorative xmlns="" xmlns:adec="http://schemas.microsoft.com/office/drawing/2017/decorative" val="1"/>
               </a:ext>
             </a:extLst>
           </p:cNvPr>
@@ -9426,7 +9908,7 @@
           <p:nvPr>
             <p:extLst>
               <p:ext uri="{386F3935-93C4-4BCD-93E2-E3B085C9AB24}">
-                <p16:designElem xmlns:p16="http://schemas.microsoft.com/office/powerpoint/2015/main" val="1"/>
+                <p16:designElem xmlns="" xmlns:p16="http://schemas.microsoft.com/office/powerpoint/2015/main" val="1"/>
               </p:ext>
             </p:extLst>
           </p:nvPr>
@@ -9476,7 +9958,7 @@
           <p:cNvPr id="2" name="Заголовок 1">
             <a:extLst>
               <a:ext uri="{FF2B5EF4-FFF2-40B4-BE49-F238E27FC236}">
-                <a16:creationId xmlns:a16="http://schemas.microsoft.com/office/drawing/2014/main" id="{CCF85F47-D0D7-4C96-9C91-1CB5C6D921B4}"/>
+                <a16:creationId xmlns="" xmlns:a16="http://schemas.microsoft.com/office/drawing/2014/main" id="{CCF85F47-D0D7-4C96-9C91-1CB5C6D921B4}"/>
               </a:ext>
             </a:extLst>
           </p:cNvPr>
@@ -9518,7 +10000,7 @@
           <p:cNvPr id="3" name="Объект 2">
             <a:extLst>
               <a:ext uri="{FF2B5EF4-FFF2-40B4-BE49-F238E27FC236}">
-                <a16:creationId xmlns:a16="http://schemas.microsoft.com/office/drawing/2014/main" id="{0D6576DF-402F-45B4-BE72-A29EA253667A}"/>
+                <a16:creationId xmlns="" xmlns:a16="http://schemas.microsoft.com/office/drawing/2014/main" id="{0D6576DF-402F-45B4-BE72-A29EA253667A}"/>
               </a:ext>
             </a:extLst>
           </p:cNvPr>
@@ -9594,6 +10076,13 @@
   <p:clrMapOvr>
     <a:masterClrMapping/>
   </p:clrMapOvr>
+  <p:timing>
+    <p:tnLst>
+      <p:par>
+        <p:cTn id="1" dur="indefinite" restart="never" nodeType="tmRoot"/>
+      </p:par>
+    </p:tnLst>
+  </p:timing>
 </p:sld>
 </file>
 
@@ -9627,10 +10116,10 @@
           <p:cNvPr id="8" name="Rectangle 7">
             <a:extLst>
               <a:ext uri="{FF2B5EF4-FFF2-40B4-BE49-F238E27FC236}">
-                <a16:creationId xmlns:a16="http://schemas.microsoft.com/office/drawing/2014/main" id="{DE7FFD28-545C-4C88-A2E7-152FB234C92C}"/>
+                <a16:creationId xmlns="" xmlns:a16="http://schemas.microsoft.com/office/drawing/2014/main" id="{DE7FFD28-545C-4C88-A2E7-152FB234C92C}"/>
               </a:ext>
               <a:ext uri="{C183D7F6-B498-43B3-948B-1728B52AA6E4}">
-                <adec:decorative xmlns:adec="http://schemas.microsoft.com/office/drawing/2017/decorative" val="1"/>
+                <adec:decorative xmlns="" xmlns:adec="http://schemas.microsoft.com/office/drawing/2017/decorative" val="1"/>
               </a:ext>
             </a:extLst>
           </p:cNvPr>
@@ -9640,7 +10129,7 @@
           <p:nvPr>
             <p:extLst>
               <p:ext uri="{386F3935-93C4-4BCD-93E2-E3B085C9AB24}">
-                <p16:designElem xmlns:p16="http://schemas.microsoft.com/office/powerpoint/2015/main" val="1"/>
+                <p16:designElem xmlns="" xmlns:p16="http://schemas.microsoft.com/office/powerpoint/2015/main" val="1"/>
               </p:ext>
             </p:extLst>
           </p:nvPr>
@@ -9690,7 +10179,7 @@
           <p:cNvPr id="2" name="Заголовок 1">
             <a:extLst>
               <a:ext uri="{FF2B5EF4-FFF2-40B4-BE49-F238E27FC236}">
-                <a16:creationId xmlns:a16="http://schemas.microsoft.com/office/drawing/2014/main" id="{56ADC287-98D7-45A2-9BE9-162FD421B02C}"/>
+                <a16:creationId xmlns="" xmlns:a16="http://schemas.microsoft.com/office/drawing/2014/main" id="{56ADC287-98D7-45A2-9BE9-162FD421B02C}"/>
               </a:ext>
             </a:extLst>
           </p:cNvPr>
@@ -9731,7 +10220,7 @@
           <p:cNvPr id="3" name="Объект 2">
             <a:extLst>
               <a:ext uri="{FF2B5EF4-FFF2-40B4-BE49-F238E27FC236}">
-                <a16:creationId xmlns:a16="http://schemas.microsoft.com/office/drawing/2014/main" id="{E0719265-3131-4C23-AB09-0D0906BA455F}"/>
+                <a16:creationId xmlns="" xmlns:a16="http://schemas.microsoft.com/office/drawing/2014/main" id="{E0719265-3131-4C23-AB09-0D0906BA455F}"/>
               </a:ext>
             </a:extLst>
           </p:cNvPr>
@@ -9864,6 +10353,13 @@
   <p:clrMapOvr>
     <a:masterClrMapping/>
   </p:clrMapOvr>
+  <p:timing>
+    <p:tnLst>
+      <p:par>
+        <p:cTn id="1" dur="indefinite" restart="never" nodeType="tmRoot"/>
+      </p:par>
+    </p:tnLst>
+  </p:timing>
 </p:sld>
 </file>
 
@@ -9897,10 +10393,10 @@
           <p:cNvPr id="8" name="Rectangle 7">
             <a:extLst>
               <a:ext uri="{FF2B5EF4-FFF2-40B4-BE49-F238E27FC236}">
-                <a16:creationId xmlns:a16="http://schemas.microsoft.com/office/drawing/2014/main" id="{DE7FFD28-545C-4C88-A2E7-152FB234C92C}"/>
+                <a16:creationId xmlns="" xmlns:a16="http://schemas.microsoft.com/office/drawing/2014/main" id="{DE7FFD28-545C-4C88-A2E7-152FB234C92C}"/>
               </a:ext>
               <a:ext uri="{C183D7F6-B498-43B3-948B-1728B52AA6E4}">
-                <adec:decorative xmlns:adec="http://schemas.microsoft.com/office/drawing/2017/decorative" val="1"/>
+                <adec:decorative xmlns="" xmlns:adec="http://schemas.microsoft.com/office/drawing/2017/decorative" val="1"/>
               </a:ext>
             </a:extLst>
           </p:cNvPr>
@@ -9910,7 +10406,7 @@
           <p:nvPr>
             <p:extLst>
               <p:ext uri="{386F3935-93C4-4BCD-93E2-E3B085C9AB24}">
-                <p16:designElem xmlns:p16="http://schemas.microsoft.com/office/powerpoint/2015/main" val="1"/>
+                <p16:designElem xmlns="" xmlns:p16="http://schemas.microsoft.com/office/powerpoint/2015/main" val="1"/>
               </p:ext>
             </p:extLst>
           </p:nvPr>
@@ -9960,7 +10456,7 @@
           <p:cNvPr id="2" name="Заголовок 1">
             <a:extLst>
               <a:ext uri="{FF2B5EF4-FFF2-40B4-BE49-F238E27FC236}">
-                <a16:creationId xmlns:a16="http://schemas.microsoft.com/office/drawing/2014/main" id="{56ADC287-98D7-45A2-9BE9-162FD421B02C}"/>
+                <a16:creationId xmlns="" xmlns:a16="http://schemas.microsoft.com/office/drawing/2014/main" id="{56ADC287-98D7-45A2-9BE9-162FD421B02C}"/>
               </a:ext>
             </a:extLst>
           </p:cNvPr>
@@ -10001,7 +10497,7 @@
           <p:cNvPr id="3" name="Объект 2">
             <a:extLst>
               <a:ext uri="{FF2B5EF4-FFF2-40B4-BE49-F238E27FC236}">
-                <a16:creationId xmlns:a16="http://schemas.microsoft.com/office/drawing/2014/main" id="{E0719265-3131-4C23-AB09-0D0906BA455F}"/>
+                <a16:creationId xmlns="" xmlns:a16="http://schemas.microsoft.com/office/drawing/2014/main" id="{E0719265-3131-4C23-AB09-0D0906BA455F}"/>
               </a:ext>
             </a:extLst>
           </p:cNvPr>
@@ -10165,6 +10661,13 @@
   <p:clrMapOvr>
     <a:masterClrMapping/>
   </p:clrMapOvr>
+  <p:timing>
+    <p:tnLst>
+      <p:par>
+        <p:cTn id="1" dur="indefinite" restart="never" nodeType="tmRoot"/>
+      </p:par>
+    </p:tnLst>
+  </p:timing>
 </p:sld>
 </file>
 
@@ -10198,10 +10701,10 @@
           <p:cNvPr id="7" name="Rectangle 6">
             <a:extLst>
               <a:ext uri="{FF2B5EF4-FFF2-40B4-BE49-F238E27FC236}">
-                <a16:creationId xmlns:a16="http://schemas.microsoft.com/office/drawing/2014/main" id="{0B3B9DBC-97CC-4A18-B4A6-66E240292269}"/>
+                <a16:creationId xmlns="" xmlns:a16="http://schemas.microsoft.com/office/drawing/2014/main" id="{0B3B9DBC-97CC-4A18-B4A6-66E240292269}"/>
               </a:ext>
               <a:ext uri="{C183D7F6-B498-43B3-948B-1728B52AA6E4}">
-                <adec:decorative xmlns:adec="http://schemas.microsoft.com/office/drawing/2017/decorative" val="1"/>
+                <adec:decorative xmlns="" xmlns:adec="http://schemas.microsoft.com/office/drawing/2017/decorative" val="1"/>
               </a:ext>
             </a:extLst>
           </p:cNvPr>
@@ -10211,7 +10714,7 @@
           <p:nvPr>
             <p:extLst>
               <p:ext uri="{386F3935-93C4-4BCD-93E2-E3B085C9AB24}">
-                <p16:designElem xmlns:p16="http://schemas.microsoft.com/office/powerpoint/2015/main" val="1"/>
+                <p16:designElem xmlns="" xmlns:p16="http://schemas.microsoft.com/office/powerpoint/2015/main" val="1"/>
               </p:ext>
             </p:extLst>
           </p:nvPr>
@@ -10258,10 +10761,10 @@
           <p:cNvPr id="9" name="Rectangle 8">
             <a:extLst>
               <a:ext uri="{FF2B5EF4-FFF2-40B4-BE49-F238E27FC236}">
-                <a16:creationId xmlns:a16="http://schemas.microsoft.com/office/drawing/2014/main" id="{F4492644-1D84-449E-94E4-5FC5C873D32E}"/>
+                <a16:creationId xmlns="" xmlns:a16="http://schemas.microsoft.com/office/drawing/2014/main" id="{F4492644-1D84-449E-94E4-5FC5C873D32E}"/>
               </a:ext>
               <a:ext uri="{C183D7F6-B498-43B3-948B-1728B52AA6E4}">
-                <adec:decorative xmlns:adec="http://schemas.microsoft.com/office/drawing/2017/decorative" val="1"/>
+                <adec:decorative xmlns="" xmlns:adec="http://schemas.microsoft.com/office/drawing/2017/decorative" val="1"/>
               </a:ext>
             </a:extLst>
           </p:cNvPr>
@@ -10271,7 +10774,7 @@
           <p:nvPr>
             <p:extLst>
               <p:ext uri="{386F3935-93C4-4BCD-93E2-E3B085C9AB24}">
-                <p16:designElem xmlns:p16="http://schemas.microsoft.com/office/powerpoint/2015/main" val="1"/>
+                <p16:designElem xmlns="" xmlns:p16="http://schemas.microsoft.com/office/powerpoint/2015/main" val="1"/>
               </p:ext>
             </p:extLst>
           </p:nvPr>
@@ -10323,7 +10826,7 @@
           <p:cNvPr id="2" name="Заголовок 1">
             <a:extLst>
               <a:ext uri="{FF2B5EF4-FFF2-40B4-BE49-F238E27FC236}">
-                <a16:creationId xmlns:a16="http://schemas.microsoft.com/office/drawing/2014/main" id="{B3FFE3CB-9849-4471-B8BD-69B5BE2AC713}"/>
+                <a16:creationId xmlns="" xmlns:a16="http://schemas.microsoft.com/office/drawing/2014/main" id="{B3FFE3CB-9849-4471-B8BD-69B5BE2AC713}"/>
               </a:ext>
             </a:extLst>
           </p:cNvPr>
@@ -10369,10 +10872,10 @@
           <p:cNvPr id="11" name="Freeform 6">
             <a:extLst>
               <a:ext uri="{FF2B5EF4-FFF2-40B4-BE49-F238E27FC236}">
-                <a16:creationId xmlns:a16="http://schemas.microsoft.com/office/drawing/2014/main" id="{94EE1A74-DEBF-434E-8B5E-7AB296ECBE08}"/>
+                <a16:creationId xmlns="" xmlns:a16="http://schemas.microsoft.com/office/drawing/2014/main" id="{94EE1A74-DEBF-434E-8B5E-7AB296ECBE08}"/>
               </a:ext>
               <a:ext uri="{C183D7F6-B498-43B3-948B-1728B52AA6E4}">
-                <adec:decorative xmlns:adec="http://schemas.microsoft.com/office/drawing/2017/decorative" val="1"/>
+                <adec:decorative xmlns="" xmlns:adec="http://schemas.microsoft.com/office/drawing/2017/decorative" val="1"/>
               </a:ext>
             </a:extLst>
           </p:cNvPr>
@@ -10382,7 +10885,7 @@
           <p:nvPr>
             <p:extLst>
               <p:ext uri="{386F3935-93C4-4BCD-93E2-E3B085C9AB24}">
-                <p16:designElem xmlns:p16="http://schemas.microsoft.com/office/powerpoint/2015/main" val="1"/>
+                <p16:designElem xmlns="" xmlns:p16="http://schemas.microsoft.com/office/powerpoint/2015/main" val="1"/>
               </p:ext>
             </p:extLst>
           </p:nvPr>
@@ -10472,10 +10975,10 @@
           <p:cNvPr id="13" name="Freeform 7">
             <a:extLst>
               <a:ext uri="{FF2B5EF4-FFF2-40B4-BE49-F238E27FC236}">
-                <a16:creationId xmlns:a16="http://schemas.microsoft.com/office/drawing/2014/main" id="{8C7C4D4B-92D9-4FA4-A294-749E8574FF51}"/>
+                <a16:creationId xmlns="" xmlns:a16="http://schemas.microsoft.com/office/drawing/2014/main" id="{8C7C4D4B-92D9-4FA4-A294-749E8574FF51}"/>
               </a:ext>
               <a:ext uri="{C183D7F6-B498-43B3-948B-1728B52AA6E4}">
-                <adec:decorative xmlns:adec="http://schemas.microsoft.com/office/drawing/2017/decorative" val="1"/>
+                <adec:decorative xmlns="" xmlns:adec="http://schemas.microsoft.com/office/drawing/2017/decorative" val="1"/>
               </a:ext>
             </a:extLst>
           </p:cNvPr>
@@ -10485,7 +10988,7 @@
           <p:nvPr>
             <p:extLst>
               <p:ext uri="{386F3935-93C4-4BCD-93E2-E3B085C9AB24}">
-                <p16:designElem xmlns:p16="http://schemas.microsoft.com/office/powerpoint/2015/main" val="1"/>
+                <p16:designElem xmlns="" xmlns:p16="http://schemas.microsoft.com/office/powerpoint/2015/main" val="1"/>
               </p:ext>
             </p:extLst>
           </p:nvPr>
@@ -10575,10 +11078,10 @@
           <p:cNvPr id="15" name="Rectangle 8">
             <a:extLst>
               <a:ext uri="{FF2B5EF4-FFF2-40B4-BE49-F238E27FC236}">
-                <a16:creationId xmlns:a16="http://schemas.microsoft.com/office/drawing/2014/main" id="{BADA3358-2A3F-41B0-A458-6FD1DB3AF9BB}"/>
+                <a16:creationId xmlns="" xmlns:a16="http://schemas.microsoft.com/office/drawing/2014/main" id="{BADA3358-2A3F-41B0-A458-6FD1DB3AF9BB}"/>
               </a:ext>
               <a:ext uri="{C183D7F6-B498-43B3-948B-1728B52AA6E4}">
-                <adec:decorative xmlns:adec="http://schemas.microsoft.com/office/drawing/2017/decorative" val="1"/>
+                <adec:decorative xmlns="" xmlns:adec="http://schemas.microsoft.com/office/drawing/2017/decorative" val="1"/>
               </a:ext>
             </a:extLst>
           </p:cNvPr>
@@ -10588,7 +11091,7 @@
           <p:nvPr>
             <p:extLst>
               <p:ext uri="{386F3935-93C4-4BCD-93E2-E3B085C9AB24}">
-                <p16:designElem xmlns:p16="http://schemas.microsoft.com/office/powerpoint/2015/main" val="1"/>
+                <p16:designElem xmlns="" xmlns:p16="http://schemas.microsoft.com/office/powerpoint/2015/main" val="1"/>
               </p:ext>
             </p:extLst>
           </p:nvPr>
@@ -10625,10 +11128,10 @@
           <p:cNvPr id="17" name="Rectangle 8">
             <a:extLst>
               <a:ext uri="{FF2B5EF4-FFF2-40B4-BE49-F238E27FC236}">
-                <a16:creationId xmlns:a16="http://schemas.microsoft.com/office/drawing/2014/main" id="{E4737216-37B2-43AD-AB08-05BFCCEFC99E}"/>
+                <a16:creationId xmlns="" xmlns:a16="http://schemas.microsoft.com/office/drawing/2014/main" id="{E4737216-37B2-43AD-AB08-05BFCCEFC99E}"/>
               </a:ext>
               <a:ext uri="{C183D7F6-B498-43B3-948B-1728B52AA6E4}">
-                <adec:decorative xmlns:adec="http://schemas.microsoft.com/office/drawing/2017/decorative" val="1"/>
+                <adec:decorative xmlns="" xmlns:adec="http://schemas.microsoft.com/office/drawing/2017/decorative" val="1"/>
               </a:ext>
             </a:extLst>
           </p:cNvPr>
@@ -10638,7 +11141,7 @@
           <p:nvPr>
             <p:extLst>
               <p:ext uri="{386F3935-93C4-4BCD-93E2-E3B085C9AB24}">
-                <p16:designElem xmlns:p16="http://schemas.microsoft.com/office/powerpoint/2015/main" val="1"/>
+                <p16:designElem xmlns="" xmlns:p16="http://schemas.microsoft.com/office/powerpoint/2015/main" val="1"/>
               </p:ext>
             </p:extLst>
           </p:nvPr>
@@ -10680,6 +11183,13 @@
   <p:clrMapOvr>
     <a:masterClrMapping/>
   </p:clrMapOvr>
+  <p:timing>
+    <p:tnLst>
+      <p:par>
+        <p:cTn id="1" dur="indefinite" restart="never" nodeType="tmRoot"/>
+      </p:par>
+    </p:tnLst>
+  </p:timing>
 </p:sld>
 </file>
 
@@ -10713,10 +11223,10 @@
           <p:cNvPr id="30" name="Rectangle 29">
             <a:extLst>
               <a:ext uri="{FF2B5EF4-FFF2-40B4-BE49-F238E27FC236}">
-                <a16:creationId xmlns:a16="http://schemas.microsoft.com/office/drawing/2014/main" id="{DE7FFD28-545C-4C88-A2E7-152FB234C92C}"/>
+                <a16:creationId xmlns="" xmlns:a16="http://schemas.microsoft.com/office/drawing/2014/main" id="{DE7FFD28-545C-4C88-A2E7-152FB234C92C}"/>
               </a:ext>
               <a:ext uri="{C183D7F6-B498-43B3-948B-1728B52AA6E4}">
-                <adec:decorative xmlns:adec="http://schemas.microsoft.com/office/drawing/2017/decorative" val="1"/>
+                <adec:decorative xmlns="" xmlns:adec="http://schemas.microsoft.com/office/drawing/2017/decorative" val="1"/>
               </a:ext>
             </a:extLst>
           </p:cNvPr>
@@ -10726,7 +11236,7 @@
           <p:nvPr>
             <p:extLst>
               <p:ext uri="{386F3935-93C4-4BCD-93E2-E3B085C9AB24}">
-                <p16:designElem xmlns:p16="http://schemas.microsoft.com/office/powerpoint/2015/main" val="1"/>
+                <p16:designElem xmlns="" xmlns:p16="http://schemas.microsoft.com/office/powerpoint/2015/main" val="1"/>
               </p:ext>
             </p:extLst>
           </p:nvPr>
@@ -10776,7 +11286,7 @@
           <p:cNvPr id="2" name="Заголовок 1">
             <a:extLst>
               <a:ext uri="{FF2B5EF4-FFF2-40B4-BE49-F238E27FC236}">
-                <a16:creationId xmlns:a16="http://schemas.microsoft.com/office/drawing/2014/main" id="{CCF85F47-D0D7-4C96-9C91-1CB5C6D921B4}"/>
+                <a16:creationId xmlns="" xmlns:a16="http://schemas.microsoft.com/office/drawing/2014/main" id="{CCF85F47-D0D7-4C96-9C91-1CB5C6D921B4}"/>
               </a:ext>
             </a:extLst>
           </p:cNvPr>
@@ -10823,7 +11333,7 @@
           <p:cNvPr id="3" name="Объект 2">
             <a:extLst>
               <a:ext uri="{FF2B5EF4-FFF2-40B4-BE49-F238E27FC236}">
-                <a16:creationId xmlns:a16="http://schemas.microsoft.com/office/drawing/2014/main" id="{0D6576DF-402F-45B4-BE72-A29EA253667A}"/>
+                <a16:creationId xmlns="" xmlns:a16="http://schemas.microsoft.com/office/drawing/2014/main" id="{0D6576DF-402F-45B4-BE72-A29EA253667A}"/>
               </a:ext>
             </a:extLst>
           </p:cNvPr>
@@ -10842,7 +11352,7 @@
         </p:spPr>
         <p:txBody>
           <a:bodyPr vert="horz" lIns="91440" tIns="45720" rIns="91440" bIns="45720" rtlCol="0" anchor="t">
-            <a:normAutofit lnSpcReduction="10000"/>
+            <a:normAutofit/>
           </a:bodyPr>
           <a:lstStyle/>
           <a:p>
@@ -10912,7 +11422,13 @@
               <a:rPr lang="ru-RU" sz="2600" dirty="0">
                 <a:cs typeface="Calibri"/>
               </a:rPr>
-              <a:t>Пренебрегаем изменением плотности воды от глубины</a:t>
+              <a:t>Пренебрегаем изменением плотности воды от </a:t>
+            </a:r>
+            <a:r>
+              <a:rPr lang="ru-RU" sz="2600" dirty="0" smtClean="0">
+                <a:cs typeface="Calibri"/>
+              </a:rPr>
+              <a:t>глубины</a:t>
             </a:r>
           </a:p>
           <a:p>
@@ -10922,17 +11438,6 @@
             <a:endParaRPr lang="ru-RU" sz="2600" dirty="0">
               <a:cs typeface="Calibri"/>
             </a:endParaRPr>
-          </a:p>
-          <a:p>
-            <a:pPr marL="0" indent="0">
-              <a:buNone/>
-            </a:pPr>
-            <a:r>
-              <a:rPr lang="ru-RU" sz="2000" dirty="0">
-                <a:cs typeface="Calibri"/>
-              </a:rPr>
-              <a:t>Возможны изменения</a:t>
-            </a:r>
           </a:p>
         </p:txBody>
       </p:sp>
@@ -10946,6 +11451,13 @@
   <p:clrMapOvr>
     <a:masterClrMapping/>
   </p:clrMapOvr>
+  <p:timing>
+    <p:tnLst>
+      <p:par>
+        <p:cTn id="1" dur="indefinite" restart="never" nodeType="tmRoot"/>
+      </p:par>
+    </p:tnLst>
+  </p:timing>
 </p:sld>
 </file>
 
@@ -10979,7 +11491,7 @@
           <p:cNvPr id="2" name="Заголовок 1">
             <a:extLst>
               <a:ext uri="{FF2B5EF4-FFF2-40B4-BE49-F238E27FC236}">
-                <a16:creationId xmlns:a16="http://schemas.microsoft.com/office/drawing/2014/main" id="{CCF85F47-D0D7-4C96-9C91-1CB5C6D921B4}"/>
+                <a16:creationId xmlns="" xmlns:a16="http://schemas.microsoft.com/office/drawing/2014/main" id="{CCF85F47-D0D7-4C96-9C91-1CB5C6D921B4}"/>
               </a:ext>
             </a:extLst>
           </p:cNvPr>
@@ -11041,7 +11553,7 @@
           <p:cNvPr id="3" name="Объект 2">
             <a:extLst>
               <a:ext uri="{FF2B5EF4-FFF2-40B4-BE49-F238E27FC236}">
-                <a16:creationId xmlns:a16="http://schemas.microsoft.com/office/drawing/2014/main" id="{0D6576DF-402F-45B4-BE72-A29EA253667A}"/>
+                <a16:creationId xmlns="" xmlns:a16="http://schemas.microsoft.com/office/drawing/2014/main" id="{0D6576DF-402F-45B4-BE72-A29EA253667A}"/>
               </a:ext>
             </a:extLst>
           </p:cNvPr>
@@ -11103,7 +11615,7 @@
           <p:cNvPr id="8" name="Рисунок 8">
             <a:extLst>
               <a:ext uri="{FF2B5EF4-FFF2-40B4-BE49-F238E27FC236}">
-                <a16:creationId xmlns:a16="http://schemas.microsoft.com/office/drawing/2014/main" id="{E3D1A48B-DC5C-4245-BB7C-EA76FD80BA93}"/>
+                <a16:creationId xmlns="" xmlns:a16="http://schemas.microsoft.com/office/drawing/2014/main" id="{E3D1A48B-DC5C-4245-BB7C-EA76FD80BA93}"/>
               </a:ext>
             </a:extLst>
           </p:cNvPr>
@@ -11138,6 +11650,13 @@
   <p:clrMapOvr>
     <a:masterClrMapping/>
   </p:clrMapOvr>
+  <p:timing>
+    <p:tnLst>
+      <p:par>
+        <p:cTn id="1" dur="indefinite" restart="never" nodeType="tmRoot"/>
+      </p:par>
+    </p:tnLst>
+  </p:timing>
 </p:sld>
 </file>
 
@@ -11171,10 +11690,10 @@
           <p:cNvPr id="7" name="Rectangle 6">
             <a:extLst>
               <a:ext uri="{FF2B5EF4-FFF2-40B4-BE49-F238E27FC236}">
-                <a16:creationId xmlns:a16="http://schemas.microsoft.com/office/drawing/2014/main" id="{0B3B9DBC-97CC-4A18-B4A6-66E240292269}"/>
+                <a16:creationId xmlns="" xmlns:a16="http://schemas.microsoft.com/office/drawing/2014/main" id="{0B3B9DBC-97CC-4A18-B4A6-66E240292269}"/>
               </a:ext>
               <a:ext uri="{C183D7F6-B498-43B3-948B-1728B52AA6E4}">
-                <adec:decorative xmlns:adec="http://schemas.microsoft.com/office/drawing/2017/decorative" val="1"/>
+                <adec:decorative xmlns="" xmlns:adec="http://schemas.microsoft.com/office/drawing/2017/decorative" val="1"/>
               </a:ext>
             </a:extLst>
           </p:cNvPr>
@@ -11184,7 +11703,7 @@
           <p:nvPr>
             <p:extLst>
               <p:ext uri="{386F3935-93C4-4BCD-93E2-E3B085C9AB24}">
-                <p16:designElem xmlns:p16="http://schemas.microsoft.com/office/powerpoint/2015/main" val="1"/>
+                <p16:designElem xmlns="" xmlns:p16="http://schemas.microsoft.com/office/powerpoint/2015/main" val="1"/>
               </p:ext>
             </p:extLst>
           </p:nvPr>
@@ -11231,10 +11750,10 @@
           <p:cNvPr id="9" name="Rectangle 8">
             <a:extLst>
               <a:ext uri="{FF2B5EF4-FFF2-40B4-BE49-F238E27FC236}">
-                <a16:creationId xmlns:a16="http://schemas.microsoft.com/office/drawing/2014/main" id="{F4492644-1D84-449E-94E4-5FC5C873D32E}"/>
+                <a16:creationId xmlns="" xmlns:a16="http://schemas.microsoft.com/office/drawing/2014/main" id="{F4492644-1D84-449E-94E4-5FC5C873D32E}"/>
               </a:ext>
               <a:ext uri="{C183D7F6-B498-43B3-948B-1728B52AA6E4}">
-                <adec:decorative xmlns:adec="http://schemas.microsoft.com/office/drawing/2017/decorative" val="1"/>
+                <adec:decorative xmlns="" xmlns:adec="http://schemas.microsoft.com/office/drawing/2017/decorative" val="1"/>
               </a:ext>
             </a:extLst>
           </p:cNvPr>
@@ -11244,7 +11763,7 @@
           <p:nvPr>
             <p:extLst>
               <p:ext uri="{386F3935-93C4-4BCD-93E2-E3B085C9AB24}">
-                <p16:designElem xmlns:p16="http://schemas.microsoft.com/office/powerpoint/2015/main" val="1"/>
+                <p16:designElem xmlns="" xmlns:p16="http://schemas.microsoft.com/office/powerpoint/2015/main" val="1"/>
               </p:ext>
             </p:extLst>
           </p:nvPr>
@@ -11296,7 +11815,7 @@
           <p:cNvPr id="2" name="Заголовок 1">
             <a:extLst>
               <a:ext uri="{FF2B5EF4-FFF2-40B4-BE49-F238E27FC236}">
-                <a16:creationId xmlns:a16="http://schemas.microsoft.com/office/drawing/2014/main" id="{B3FFE3CB-9849-4471-B8BD-69B5BE2AC713}"/>
+                <a16:creationId xmlns="" xmlns:a16="http://schemas.microsoft.com/office/drawing/2014/main" id="{B3FFE3CB-9849-4471-B8BD-69B5BE2AC713}"/>
               </a:ext>
             </a:extLst>
           </p:cNvPr>
@@ -11342,10 +11861,10 @@
           <p:cNvPr id="11" name="Freeform 6">
             <a:extLst>
               <a:ext uri="{FF2B5EF4-FFF2-40B4-BE49-F238E27FC236}">
-                <a16:creationId xmlns:a16="http://schemas.microsoft.com/office/drawing/2014/main" id="{94EE1A74-DEBF-434E-8B5E-7AB296ECBE08}"/>
+                <a16:creationId xmlns="" xmlns:a16="http://schemas.microsoft.com/office/drawing/2014/main" id="{94EE1A74-DEBF-434E-8B5E-7AB296ECBE08}"/>
               </a:ext>
               <a:ext uri="{C183D7F6-B498-43B3-948B-1728B52AA6E4}">
-                <adec:decorative xmlns:adec="http://schemas.microsoft.com/office/drawing/2017/decorative" val="1"/>
+                <adec:decorative xmlns="" xmlns:adec="http://schemas.microsoft.com/office/drawing/2017/decorative" val="1"/>
               </a:ext>
             </a:extLst>
           </p:cNvPr>
@@ -11355,7 +11874,7 @@
           <p:nvPr>
             <p:extLst>
               <p:ext uri="{386F3935-93C4-4BCD-93E2-E3B085C9AB24}">
-                <p16:designElem xmlns:p16="http://schemas.microsoft.com/office/powerpoint/2015/main" val="1"/>
+                <p16:designElem xmlns="" xmlns:p16="http://schemas.microsoft.com/office/powerpoint/2015/main" val="1"/>
               </p:ext>
             </p:extLst>
           </p:nvPr>
@@ -11445,10 +11964,10 @@
           <p:cNvPr id="13" name="Freeform 7">
             <a:extLst>
               <a:ext uri="{FF2B5EF4-FFF2-40B4-BE49-F238E27FC236}">
-                <a16:creationId xmlns:a16="http://schemas.microsoft.com/office/drawing/2014/main" id="{8C7C4D4B-92D9-4FA4-A294-749E8574FF51}"/>
+                <a16:creationId xmlns="" xmlns:a16="http://schemas.microsoft.com/office/drawing/2014/main" id="{8C7C4D4B-92D9-4FA4-A294-749E8574FF51}"/>
               </a:ext>
               <a:ext uri="{C183D7F6-B498-43B3-948B-1728B52AA6E4}">
-                <adec:decorative xmlns:adec="http://schemas.microsoft.com/office/drawing/2017/decorative" val="1"/>
+                <adec:decorative xmlns="" xmlns:adec="http://schemas.microsoft.com/office/drawing/2017/decorative" val="1"/>
               </a:ext>
             </a:extLst>
           </p:cNvPr>
@@ -11458,7 +11977,7 @@
           <p:nvPr>
             <p:extLst>
               <p:ext uri="{386F3935-93C4-4BCD-93E2-E3B085C9AB24}">
-                <p16:designElem xmlns:p16="http://schemas.microsoft.com/office/powerpoint/2015/main" val="1"/>
+                <p16:designElem xmlns="" xmlns:p16="http://schemas.microsoft.com/office/powerpoint/2015/main" val="1"/>
               </p:ext>
             </p:extLst>
           </p:nvPr>
@@ -11548,10 +12067,10 @@
           <p:cNvPr id="15" name="Rectangle 8">
             <a:extLst>
               <a:ext uri="{FF2B5EF4-FFF2-40B4-BE49-F238E27FC236}">
-                <a16:creationId xmlns:a16="http://schemas.microsoft.com/office/drawing/2014/main" id="{BADA3358-2A3F-41B0-A458-6FD1DB3AF9BB}"/>
+                <a16:creationId xmlns="" xmlns:a16="http://schemas.microsoft.com/office/drawing/2014/main" id="{BADA3358-2A3F-41B0-A458-6FD1DB3AF9BB}"/>
               </a:ext>
               <a:ext uri="{C183D7F6-B498-43B3-948B-1728B52AA6E4}">
-                <adec:decorative xmlns:adec="http://schemas.microsoft.com/office/drawing/2017/decorative" val="1"/>
+                <adec:decorative xmlns="" xmlns:adec="http://schemas.microsoft.com/office/drawing/2017/decorative" val="1"/>
               </a:ext>
             </a:extLst>
           </p:cNvPr>
@@ -11561,7 +12080,7 @@
           <p:nvPr>
             <p:extLst>
               <p:ext uri="{386F3935-93C4-4BCD-93E2-E3B085C9AB24}">
-                <p16:designElem xmlns:p16="http://schemas.microsoft.com/office/powerpoint/2015/main" val="1"/>
+                <p16:designElem xmlns="" xmlns:p16="http://schemas.microsoft.com/office/powerpoint/2015/main" val="1"/>
               </p:ext>
             </p:extLst>
           </p:nvPr>
@@ -11598,10 +12117,10 @@
           <p:cNvPr id="17" name="Rectangle 8">
             <a:extLst>
               <a:ext uri="{FF2B5EF4-FFF2-40B4-BE49-F238E27FC236}">
-                <a16:creationId xmlns:a16="http://schemas.microsoft.com/office/drawing/2014/main" id="{E4737216-37B2-43AD-AB08-05BFCCEFC99E}"/>
+                <a16:creationId xmlns="" xmlns:a16="http://schemas.microsoft.com/office/drawing/2014/main" id="{E4737216-37B2-43AD-AB08-05BFCCEFC99E}"/>
               </a:ext>
               <a:ext uri="{C183D7F6-B498-43B3-948B-1728B52AA6E4}">
-                <adec:decorative xmlns:adec="http://schemas.microsoft.com/office/drawing/2017/decorative" val="1"/>
+                <adec:decorative xmlns="" xmlns:adec="http://schemas.microsoft.com/office/drawing/2017/decorative" val="1"/>
               </a:ext>
             </a:extLst>
           </p:cNvPr>
@@ -11611,7 +12130,7 @@
           <p:nvPr>
             <p:extLst>
               <p:ext uri="{386F3935-93C4-4BCD-93E2-E3B085C9AB24}">
-                <p16:designElem xmlns:p16="http://schemas.microsoft.com/office/powerpoint/2015/main" val="1"/>
+                <p16:designElem xmlns="" xmlns:p16="http://schemas.microsoft.com/office/powerpoint/2015/main" val="1"/>
               </p:ext>
             </p:extLst>
           </p:nvPr>
@@ -11653,6 +12172,13 @@
   <p:clrMapOvr>
     <a:masterClrMapping/>
   </p:clrMapOvr>
+  <p:timing>
+    <p:tnLst>
+      <p:par>
+        <p:cTn id="1" dur="indefinite" restart="never" nodeType="tmRoot"/>
+      </p:par>
+    </p:tnLst>
+  </p:timing>
 </p:sld>
 </file>
 
@@ -11911,7 +12437,7 @@
   <a:extraClrSchemeLst/>
   <a:extLst>
     <a:ext uri="{05A4C25C-085E-4340-85A3-A5531E510DB2}">
-      <thm15:themeFamily xmlns:thm15="http://schemas.microsoft.com/office/thememl/2012/main" name="Office Theme" id="{62F939B6-93AF-4DB8-9C6B-D6C7DFDC589F}" vid="{4A3C46E8-61CC-4603-A589-7422A47A8E4A}"/>
+      <thm15:themeFamily xmlns="" xmlns:thm15="http://schemas.microsoft.com/office/thememl/2012/main" name="Office Theme" id="{62F939B6-93AF-4DB8-9C6B-D6C7DFDC589F}" vid="{4A3C46E8-61CC-4603-A589-7422A47A8E4A}"/>
     </a:ext>
   </a:extLst>
 </a:theme>
@@ -12172,7 +12698,7 @@
   <a:extraClrSchemeLst/>
   <a:extLst>
     <a:ext uri="{05A4C25C-085E-4340-85A3-A5531E510DB2}">
-      <thm15:themeFamily xmlns:thm15="http://schemas.microsoft.com/office/thememl/2012/main" name="Office Theme" id="{62F939B6-93AF-4DB8-9C6B-D6C7DFDC589F}" vid="{4A3C46E8-61CC-4603-A589-7422A47A8E4A}"/>
+      <thm15:themeFamily xmlns="" xmlns:thm15="http://schemas.microsoft.com/office/thememl/2012/main" name="Office Theme" id="{62F939B6-93AF-4DB8-9C6B-D6C7DFDC589F}" vid="{4A3C46E8-61CC-4603-A589-7422A47A8E4A}"/>
     </a:ext>
   </a:extLst>
 </a:theme>
